--- a/presentation.pptx
+++ b/presentation.pptx
@@ -13,6 +13,14 @@
     <p:sldId id="258" r:id="rId10"/>
     <p:sldId id="259" r:id="rId11"/>
     <p:sldId id="260" r:id="rId12"/>
+    <p:sldId id="261" r:id="rId13"/>
+    <p:sldId id="262" r:id="rId14"/>
+    <p:sldId id="263" r:id="rId15"/>
+    <p:sldId id="264" r:id="rId16"/>
+    <p:sldId id="265" r:id="rId17"/>
+    <p:sldId id="266" r:id="rId18"/>
+    <p:sldId id="267" r:id="rId19"/>
+    <p:sldId id="268" r:id="rId20"/>
   </p:sldIdLst>
   <p:sldSz cx="24384000" cy="13716000"/>
   <p:notesSz cx="6858000" cy="9144000"/>
@@ -71,13 +79,13 @@
           </a:outerShdw>
         </a:effectLst>
         <a:uFillTx/>
-        <a:latin typeface="+mn-lt"/>
-        <a:ea typeface="+mn-ea"/>
-        <a:cs typeface="+mn-cs"/>
-        <a:sym typeface="Helvetica Neue Light"/>
+        <a:latin typeface="+mj-lt"/>
+        <a:ea typeface="+mj-ea"/>
+        <a:cs typeface="+mj-cs"/>
+        <a:sym typeface="Helvetica"/>
       </a:defRPr>
     </a:lvl1pPr>
-    <a:lvl2pPr marL="0" marR="0" indent="228600" algn="ctr" defTabSz="825500" rtl="0" fontAlgn="auto" latinLnBrk="0" hangingPunct="0">
+    <a:lvl2pPr marL="0" marR="0" indent="0" algn="ctr" defTabSz="825500" rtl="0" fontAlgn="auto" latinLnBrk="0" hangingPunct="0">
       <a:lnSpc>
         <a:spcPct val="100000"/>
       </a:lnSpc>
@@ -105,13 +113,13 @@
           </a:outerShdw>
         </a:effectLst>
         <a:uFillTx/>
-        <a:latin typeface="+mn-lt"/>
-        <a:ea typeface="+mn-ea"/>
-        <a:cs typeface="+mn-cs"/>
-        <a:sym typeface="Helvetica Neue Light"/>
+        <a:latin typeface="+mj-lt"/>
+        <a:ea typeface="+mj-ea"/>
+        <a:cs typeface="+mj-cs"/>
+        <a:sym typeface="Helvetica"/>
       </a:defRPr>
     </a:lvl2pPr>
-    <a:lvl3pPr marL="0" marR="0" indent="457200" algn="ctr" defTabSz="825500" rtl="0" fontAlgn="auto" latinLnBrk="0" hangingPunct="0">
+    <a:lvl3pPr marL="0" marR="0" indent="0" algn="ctr" defTabSz="825500" rtl="0" fontAlgn="auto" latinLnBrk="0" hangingPunct="0">
       <a:lnSpc>
         <a:spcPct val="100000"/>
       </a:lnSpc>
@@ -139,13 +147,13 @@
           </a:outerShdw>
         </a:effectLst>
         <a:uFillTx/>
-        <a:latin typeface="+mn-lt"/>
-        <a:ea typeface="+mn-ea"/>
-        <a:cs typeface="+mn-cs"/>
-        <a:sym typeface="Helvetica Neue Light"/>
+        <a:latin typeface="+mj-lt"/>
+        <a:ea typeface="+mj-ea"/>
+        <a:cs typeface="+mj-cs"/>
+        <a:sym typeface="Helvetica"/>
       </a:defRPr>
     </a:lvl3pPr>
-    <a:lvl4pPr marL="0" marR="0" indent="685800" algn="ctr" defTabSz="825500" rtl="0" fontAlgn="auto" latinLnBrk="0" hangingPunct="0">
+    <a:lvl4pPr marL="0" marR="0" indent="0" algn="ctr" defTabSz="825500" rtl="0" fontAlgn="auto" latinLnBrk="0" hangingPunct="0">
       <a:lnSpc>
         <a:spcPct val="100000"/>
       </a:lnSpc>
@@ -173,13 +181,13 @@
           </a:outerShdw>
         </a:effectLst>
         <a:uFillTx/>
-        <a:latin typeface="+mn-lt"/>
-        <a:ea typeface="+mn-ea"/>
-        <a:cs typeface="+mn-cs"/>
-        <a:sym typeface="Helvetica Neue Light"/>
+        <a:latin typeface="+mj-lt"/>
+        <a:ea typeface="+mj-ea"/>
+        <a:cs typeface="+mj-cs"/>
+        <a:sym typeface="Helvetica"/>
       </a:defRPr>
     </a:lvl4pPr>
-    <a:lvl5pPr marL="0" marR="0" indent="914400" algn="ctr" defTabSz="825500" rtl="0" fontAlgn="auto" latinLnBrk="0" hangingPunct="0">
+    <a:lvl5pPr marL="0" marR="0" indent="0" algn="ctr" defTabSz="825500" rtl="0" fontAlgn="auto" latinLnBrk="0" hangingPunct="0">
       <a:lnSpc>
         <a:spcPct val="100000"/>
       </a:lnSpc>
@@ -207,13 +215,13 @@
           </a:outerShdw>
         </a:effectLst>
         <a:uFillTx/>
-        <a:latin typeface="+mn-lt"/>
-        <a:ea typeface="+mn-ea"/>
-        <a:cs typeface="+mn-cs"/>
-        <a:sym typeface="Helvetica Neue Light"/>
+        <a:latin typeface="+mj-lt"/>
+        <a:ea typeface="+mj-ea"/>
+        <a:cs typeface="+mj-cs"/>
+        <a:sym typeface="Helvetica"/>
       </a:defRPr>
     </a:lvl5pPr>
-    <a:lvl6pPr marL="0" marR="0" indent="1143000" algn="ctr" defTabSz="825500" rtl="0" fontAlgn="auto" latinLnBrk="0" hangingPunct="0">
+    <a:lvl6pPr marL="0" marR="0" indent="0" algn="ctr" defTabSz="825500" rtl="0" fontAlgn="auto" latinLnBrk="0" hangingPunct="0">
       <a:lnSpc>
         <a:spcPct val="100000"/>
       </a:lnSpc>
@@ -241,13 +249,13 @@
           </a:outerShdw>
         </a:effectLst>
         <a:uFillTx/>
-        <a:latin typeface="+mn-lt"/>
-        <a:ea typeface="+mn-ea"/>
-        <a:cs typeface="+mn-cs"/>
-        <a:sym typeface="Helvetica Neue Light"/>
+        <a:latin typeface="+mj-lt"/>
+        <a:ea typeface="+mj-ea"/>
+        <a:cs typeface="+mj-cs"/>
+        <a:sym typeface="Helvetica"/>
       </a:defRPr>
     </a:lvl6pPr>
-    <a:lvl7pPr marL="0" marR="0" indent="1371600" algn="ctr" defTabSz="825500" rtl="0" fontAlgn="auto" latinLnBrk="0" hangingPunct="0">
+    <a:lvl7pPr marL="0" marR="0" indent="0" algn="ctr" defTabSz="825500" rtl="0" fontAlgn="auto" latinLnBrk="0" hangingPunct="0">
       <a:lnSpc>
         <a:spcPct val="100000"/>
       </a:lnSpc>
@@ -275,13 +283,13 @@
           </a:outerShdw>
         </a:effectLst>
         <a:uFillTx/>
-        <a:latin typeface="+mn-lt"/>
-        <a:ea typeface="+mn-ea"/>
-        <a:cs typeface="+mn-cs"/>
-        <a:sym typeface="Helvetica Neue Light"/>
+        <a:latin typeface="+mj-lt"/>
+        <a:ea typeface="+mj-ea"/>
+        <a:cs typeface="+mj-cs"/>
+        <a:sym typeface="Helvetica"/>
       </a:defRPr>
     </a:lvl7pPr>
-    <a:lvl8pPr marL="0" marR="0" indent="1600200" algn="ctr" defTabSz="825500" rtl="0" fontAlgn="auto" latinLnBrk="0" hangingPunct="0">
+    <a:lvl8pPr marL="0" marR="0" indent="0" algn="ctr" defTabSz="825500" rtl="0" fontAlgn="auto" latinLnBrk="0" hangingPunct="0">
       <a:lnSpc>
         <a:spcPct val="100000"/>
       </a:lnSpc>
@@ -309,13 +317,13 @@
           </a:outerShdw>
         </a:effectLst>
         <a:uFillTx/>
-        <a:latin typeface="+mn-lt"/>
-        <a:ea typeface="+mn-ea"/>
-        <a:cs typeface="+mn-cs"/>
-        <a:sym typeface="Helvetica Neue Light"/>
+        <a:latin typeface="+mj-lt"/>
+        <a:ea typeface="+mj-ea"/>
+        <a:cs typeface="+mj-cs"/>
+        <a:sym typeface="Helvetica"/>
       </a:defRPr>
     </a:lvl8pPr>
-    <a:lvl9pPr marL="0" marR="0" indent="1828800" algn="ctr" defTabSz="825500" rtl="0" fontAlgn="auto" latinLnBrk="0" hangingPunct="0">
+    <a:lvl9pPr marL="0" marR="0" indent="0" algn="ctr" defTabSz="825500" rtl="0" fontAlgn="auto" latinLnBrk="0" hangingPunct="0">
       <a:lnSpc>
         <a:spcPct val="100000"/>
       </a:lnSpc>
@@ -343,10 +351,10 @@
           </a:outerShdw>
         </a:effectLst>
         <a:uFillTx/>
-        <a:latin typeface="+mn-lt"/>
-        <a:ea typeface="+mn-ea"/>
-        <a:cs typeface="+mn-cs"/>
-        <a:sym typeface="Helvetica Neue Light"/>
+        <a:latin typeface="+mj-lt"/>
+        <a:ea typeface="+mj-ea"/>
+        <a:cs typeface="+mj-cs"/>
+        <a:sym typeface="Helvetica"/>
       </a:defRPr>
     </a:lvl9pPr>
   </p:defaultTextStyle>
@@ -433,9 +441,9 @@
         <a:spcPct val="117999"/>
       </a:lnSpc>
       <a:defRPr sz="2200">
-        <a:latin typeface="Helvetica Neue"/>
-        <a:ea typeface="Helvetica Neue"/>
-        <a:cs typeface="Helvetica Neue"/>
+        <a:latin typeface="+mn-lt"/>
+        <a:ea typeface="+mn-ea"/>
+        <a:cs typeface="+mn-cs"/>
         <a:sym typeface="Helvetica Neue"/>
       </a:defRPr>
     </a:lvl1pPr>
@@ -444,9 +452,9 @@
         <a:spcPct val="117999"/>
       </a:lnSpc>
       <a:defRPr sz="2200">
-        <a:latin typeface="Helvetica Neue"/>
-        <a:ea typeface="Helvetica Neue"/>
-        <a:cs typeface="Helvetica Neue"/>
+        <a:latin typeface="+mn-lt"/>
+        <a:ea typeface="+mn-ea"/>
+        <a:cs typeface="+mn-cs"/>
         <a:sym typeface="Helvetica Neue"/>
       </a:defRPr>
     </a:lvl2pPr>
@@ -455,9 +463,9 @@
         <a:spcPct val="117999"/>
       </a:lnSpc>
       <a:defRPr sz="2200">
-        <a:latin typeface="Helvetica Neue"/>
-        <a:ea typeface="Helvetica Neue"/>
-        <a:cs typeface="Helvetica Neue"/>
+        <a:latin typeface="+mn-lt"/>
+        <a:ea typeface="+mn-ea"/>
+        <a:cs typeface="+mn-cs"/>
         <a:sym typeface="Helvetica Neue"/>
       </a:defRPr>
     </a:lvl3pPr>
@@ -466,9 +474,9 @@
         <a:spcPct val="117999"/>
       </a:lnSpc>
       <a:defRPr sz="2200">
-        <a:latin typeface="Helvetica Neue"/>
-        <a:ea typeface="Helvetica Neue"/>
-        <a:cs typeface="Helvetica Neue"/>
+        <a:latin typeface="+mn-lt"/>
+        <a:ea typeface="+mn-ea"/>
+        <a:cs typeface="+mn-cs"/>
         <a:sym typeface="Helvetica Neue"/>
       </a:defRPr>
     </a:lvl4pPr>
@@ -477,9 +485,9 @@
         <a:spcPct val="117999"/>
       </a:lnSpc>
       <a:defRPr sz="2200">
-        <a:latin typeface="Helvetica Neue"/>
-        <a:ea typeface="Helvetica Neue"/>
-        <a:cs typeface="Helvetica Neue"/>
+        <a:latin typeface="+mn-lt"/>
+        <a:ea typeface="+mn-ea"/>
+        <a:cs typeface="+mn-cs"/>
         <a:sym typeface="Helvetica Neue"/>
       </a:defRPr>
     </a:lvl5pPr>
@@ -488,9 +496,9 @@
         <a:spcPct val="117999"/>
       </a:lnSpc>
       <a:defRPr sz="2200">
-        <a:latin typeface="Helvetica Neue"/>
-        <a:ea typeface="Helvetica Neue"/>
-        <a:cs typeface="Helvetica Neue"/>
+        <a:latin typeface="+mn-lt"/>
+        <a:ea typeface="+mn-ea"/>
+        <a:cs typeface="+mn-cs"/>
         <a:sym typeface="Helvetica Neue"/>
       </a:defRPr>
     </a:lvl6pPr>
@@ -499,9 +507,9 @@
         <a:spcPct val="117999"/>
       </a:lnSpc>
       <a:defRPr sz="2200">
-        <a:latin typeface="Helvetica Neue"/>
-        <a:ea typeface="Helvetica Neue"/>
-        <a:cs typeface="Helvetica Neue"/>
+        <a:latin typeface="+mn-lt"/>
+        <a:ea typeface="+mn-ea"/>
+        <a:cs typeface="+mn-cs"/>
         <a:sym typeface="Helvetica Neue"/>
       </a:defRPr>
     </a:lvl7pPr>
@@ -510,9 +518,9 @@
         <a:spcPct val="117999"/>
       </a:lnSpc>
       <a:defRPr sz="2200">
-        <a:latin typeface="Helvetica Neue"/>
-        <a:ea typeface="Helvetica Neue"/>
-        <a:cs typeface="Helvetica Neue"/>
+        <a:latin typeface="+mn-lt"/>
+        <a:ea typeface="+mn-ea"/>
+        <a:cs typeface="+mn-cs"/>
         <a:sym typeface="Helvetica Neue"/>
       </a:defRPr>
     </a:lvl8pPr>
@@ -521,9 +529,9 @@
         <a:spcPct val="117999"/>
       </a:lnSpc>
       <a:defRPr sz="2200">
-        <a:latin typeface="Helvetica Neue"/>
-        <a:ea typeface="Helvetica Neue"/>
-        <a:cs typeface="Helvetica Neue"/>
+        <a:latin typeface="+mn-lt"/>
+        <a:ea typeface="+mn-ea"/>
+        <a:cs typeface="+mn-cs"/>
         <a:sym typeface="Helvetica Neue"/>
       </a:defRPr>
     </a:lvl9pPr>
@@ -608,7 +616,7 @@
                 </a:solidFill>
               </a:defRPr>
             </a:lvl1pPr>
-            <a:lvl2pPr marL="0" indent="228600">
+            <a:lvl2pPr marL="0" indent="0">
               <a:spcBef>
                 <a:spcPts val="0"/>
               </a:spcBef>
@@ -620,7 +628,7 @@
                 </a:solidFill>
               </a:defRPr>
             </a:lvl2pPr>
-            <a:lvl3pPr marL="0" indent="457200">
+            <a:lvl3pPr marL="0" indent="0">
               <a:spcBef>
                 <a:spcPts val="0"/>
               </a:spcBef>
@@ -632,7 +640,7 @@
                 </a:solidFill>
               </a:defRPr>
             </a:lvl3pPr>
-            <a:lvl4pPr marL="0" indent="685800">
+            <a:lvl4pPr marL="0" indent="0">
               <a:spcBef>
                 <a:spcPts val="0"/>
               </a:spcBef>
@@ -644,7 +652,7 @@
                 </a:solidFill>
               </a:defRPr>
             </a:lvl4pPr>
-            <a:lvl5pPr marL="0" indent="914400">
+            <a:lvl5pPr marL="0" indent="0">
               <a:spcBef>
                 <a:spcPts val="0"/>
               </a:spcBef>
@@ -746,7 +754,7 @@
           <p:cNvPr id="93" name="Shape 93"/>
           <p:cNvSpPr/>
           <p:nvPr>
-            <p:ph type="body" sz="quarter" idx="13"/>
+            <p:ph type="body" sz="quarter" idx="1"/>
           </p:nvPr>
         </p:nvSpPr>
         <p:spPr>
@@ -759,9 +767,7 @@
           </a:prstGeom>
         </p:spPr>
         <p:txBody>
-          <a:bodyPr anchor="t">
-            <a:spAutoFit/>
-          </a:bodyPr>
+          <a:bodyPr anchor="t"/>
           <a:lstStyle>
             <a:lvl1pPr marL="0" indent="0" algn="ctr">
               <a:spcBef>
@@ -780,17 +786,137 @@
                     </a:srgbClr>
                   </a:outerShdw>
                 </a:effectLst>
-                <a:latin typeface="Helvetica Neue"/>
-                <a:ea typeface="Helvetica Neue"/>
-                <a:cs typeface="Helvetica Neue"/>
+                <a:latin typeface="+mn-lt"/>
+                <a:ea typeface="+mn-ea"/>
+                <a:cs typeface="+mn-cs"/>
                 <a:sym typeface="Helvetica Neue"/>
               </a:defRPr>
             </a:lvl1pPr>
+            <a:lvl2pPr marL="1041400" indent="-406400" algn="ctr">
+              <a:spcBef>
+                <a:spcPts val="0"/>
+              </a:spcBef>
+              <a:buBlip>
+                <a:blip r:embed="rId2"/>
+              </a:buBlip>
+              <a:defRPr i="1" sz="3200">
+                <a:solidFill>
+                  <a:srgbClr val="73BFFF"/>
+                </a:solidFill>
+                <a:effectLst>
+                  <a:outerShdw sx="100000" sy="100000" kx="0" ky="0" algn="b" rotWithShape="0" blurRad="38100" dist="36285" dir="2700000">
+                    <a:srgbClr val="000000">
+                      <a:alpha val="48000"/>
+                    </a:srgbClr>
+                  </a:outerShdw>
+                </a:effectLst>
+                <a:latin typeface="+mn-lt"/>
+                <a:ea typeface="+mn-ea"/>
+                <a:cs typeface="+mn-cs"/>
+                <a:sym typeface="Helvetica Neue"/>
+              </a:defRPr>
+            </a:lvl2pPr>
+            <a:lvl3pPr marL="1676400" indent="-406400" algn="ctr">
+              <a:spcBef>
+                <a:spcPts val="0"/>
+              </a:spcBef>
+              <a:buBlip>
+                <a:blip r:embed="rId2"/>
+              </a:buBlip>
+              <a:defRPr i="1" sz="3200">
+                <a:solidFill>
+                  <a:srgbClr val="73BFFF"/>
+                </a:solidFill>
+                <a:effectLst>
+                  <a:outerShdw sx="100000" sy="100000" kx="0" ky="0" algn="b" rotWithShape="0" blurRad="38100" dist="36285" dir="2700000">
+                    <a:srgbClr val="000000">
+                      <a:alpha val="48000"/>
+                    </a:srgbClr>
+                  </a:outerShdw>
+                </a:effectLst>
+                <a:latin typeface="+mn-lt"/>
+                <a:ea typeface="+mn-ea"/>
+                <a:cs typeface="+mn-cs"/>
+                <a:sym typeface="Helvetica Neue"/>
+              </a:defRPr>
+            </a:lvl3pPr>
+            <a:lvl4pPr marL="2311400" indent="-406400" algn="ctr">
+              <a:spcBef>
+                <a:spcPts val="0"/>
+              </a:spcBef>
+              <a:buBlip>
+                <a:blip r:embed="rId2"/>
+              </a:buBlip>
+              <a:defRPr i="1" sz="3200">
+                <a:solidFill>
+                  <a:srgbClr val="73BFFF"/>
+                </a:solidFill>
+                <a:effectLst>
+                  <a:outerShdw sx="100000" sy="100000" kx="0" ky="0" algn="b" rotWithShape="0" blurRad="38100" dist="36285" dir="2700000">
+                    <a:srgbClr val="000000">
+                      <a:alpha val="48000"/>
+                    </a:srgbClr>
+                  </a:outerShdw>
+                </a:effectLst>
+                <a:latin typeface="+mn-lt"/>
+                <a:ea typeface="+mn-ea"/>
+                <a:cs typeface="+mn-cs"/>
+                <a:sym typeface="Helvetica Neue"/>
+              </a:defRPr>
+            </a:lvl4pPr>
+            <a:lvl5pPr marL="2946400" indent="-406400" algn="ctr">
+              <a:spcBef>
+                <a:spcPts val="0"/>
+              </a:spcBef>
+              <a:buBlip>
+                <a:blip r:embed="rId2"/>
+              </a:buBlip>
+              <a:defRPr i="1" sz="3200">
+                <a:solidFill>
+                  <a:srgbClr val="73BFFF"/>
+                </a:solidFill>
+                <a:effectLst>
+                  <a:outerShdw sx="100000" sy="100000" kx="0" ky="0" algn="b" rotWithShape="0" blurRad="38100" dist="36285" dir="2700000">
+                    <a:srgbClr val="000000">
+                      <a:alpha val="48000"/>
+                    </a:srgbClr>
+                  </a:outerShdw>
+                </a:effectLst>
+                <a:latin typeface="+mn-lt"/>
+                <a:ea typeface="+mn-ea"/>
+                <a:cs typeface="+mn-cs"/>
+                <a:sym typeface="Helvetica Neue"/>
+              </a:defRPr>
+            </a:lvl5pPr>
           </a:lstStyle>
           <a:p>
             <a:pPr/>
             <a:r>
-              <a:t>–Giovanni Mela</a:t>
+              <a:t>Corpo livello uno</a:t>
+            </a:r>
+          </a:p>
+          <a:p>
+            <a:pPr lvl="1"/>
+            <a:r>
+              <a:t>Corpo livello due</a:t>
+            </a:r>
+          </a:p>
+          <a:p>
+            <a:pPr lvl="2"/>
+            <a:r>
+              <a:t>Corpo livello tre</a:t>
+            </a:r>
+          </a:p>
+          <a:p>
+            <a:pPr lvl="3"/>
+            <a:r>
+              <a:t>Corpo livello quattro</a:t>
+            </a:r>
+          </a:p>
+          <a:p>
+            <a:pPr lvl="4"/>
+            <a:r>
+              <a:t>Corpo livello cinque</a:t>
             </a:r>
           </a:p>
         </p:txBody>
@@ -800,45 +926,27 @@
           <p:cNvPr id="94" name="Shape 94"/>
           <p:cNvSpPr/>
           <p:nvPr>
-            <p:ph type="body" sz="quarter" idx="14"/>
+            <p:ph type="body" sz="quarter" idx="13"/>
           </p:nvPr>
         </p:nvSpPr>
         <p:spPr>
           <a:xfrm>
             <a:off x="2387600" y="6059289"/>
-            <a:ext cx="19621500" cy="850901"/>
+            <a:ext cx="19621500" cy="850903"/>
           </a:xfrm>
           <a:prstGeom prst="rect">
             <a:avLst/>
           </a:prstGeom>
         </p:spPr>
         <p:txBody>
-          <a:bodyPr>
-            <a:spAutoFit/>
-          </a:bodyPr>
-          <a:lstStyle>
-            <a:lvl1pPr marL="0" indent="0" algn="ctr">
-              <a:spcBef>
-                <a:spcPts val="0"/>
-              </a:spcBef>
-              <a:buSzTx/>
-              <a:buNone/>
-              <a:defRPr>
-                <a:effectLst>
-                  <a:outerShdw sx="100000" sy="100000" kx="0" ky="0" algn="b" rotWithShape="0" blurRad="38100" dist="54428" dir="2700000">
-                    <a:srgbClr val="000000">
-                      <a:alpha val="48000"/>
-                    </a:srgbClr>
-                  </a:outerShdw>
-                </a:effectLst>
-              </a:defRPr>
-            </a:lvl1pPr>
-          </a:lstStyle>
-          <a:p>
-            <a:pPr/>
-            <a:r>
-              <a:t>“Inserisci qui una citazione”. </a:t>
-            </a:r>
+          <a:bodyPr/>
+          <a:lstStyle/>
+          <a:p>
+            <a:pPr>
+              <a:buBlip>
+                <a:blip r:embed="rId2"/>
+              </a:buBlip>
+            </a:pPr>
           </a:p>
         </p:txBody>
       </p:sp>
@@ -1035,15 +1143,12 @@
         </p:nvSpPr>
         <p:spPr>
           <a:xfrm>
-            <a:off x="1473200" y="1326346"/>
-            <a:ext cx="21437600" cy="8039101"/>
+            <a:off x="1473200" y="1326345"/>
+            <a:ext cx="21437600" cy="8039103"/>
           </a:xfrm>
           <a:prstGeom prst="rect">
             <a:avLst/>
           </a:prstGeom>
-          <a:ln w="9525">
-            <a:round/>
-          </a:ln>
         </p:spPr>
         <p:txBody>
           <a:bodyPr lIns="91439" tIns="45719" rIns="91439" bIns="45719" anchor="t">
@@ -1115,7 +1220,7 @@
                 </a:solidFill>
               </a:defRPr>
             </a:lvl1pPr>
-            <a:lvl2pPr marL="0" indent="228600">
+            <a:lvl2pPr marL="0" indent="0">
               <a:spcBef>
                 <a:spcPts val="0"/>
               </a:spcBef>
@@ -1127,7 +1232,7 @@
                 </a:solidFill>
               </a:defRPr>
             </a:lvl2pPr>
-            <a:lvl3pPr marL="0" indent="457200">
+            <a:lvl3pPr marL="0" indent="0">
               <a:spcBef>
                 <a:spcPts val="0"/>
               </a:spcBef>
@@ -1139,7 +1244,7 @@
                 </a:solidFill>
               </a:defRPr>
             </a:lvl3pPr>
-            <a:lvl4pPr marL="0" indent="685800">
+            <a:lvl4pPr marL="0" indent="0">
               <a:spcBef>
                 <a:spcPts val="0"/>
               </a:spcBef>
@@ -1151,7 +1256,7 @@
                 </a:solidFill>
               </a:defRPr>
             </a:lvl4pPr>
-            <a:lvl5pPr marL="0" indent="914400">
+            <a:lvl5pPr marL="0" indent="0">
               <a:spcBef>
                 <a:spcPts val="0"/>
               </a:spcBef>
@@ -1344,9 +1449,6 @@
           <a:prstGeom prst="rect">
             <a:avLst/>
           </a:prstGeom>
-          <a:ln w="9525">
-            <a:round/>
-          </a:ln>
         </p:spPr>
         <p:txBody>
           <a:bodyPr lIns="91439" tIns="45719" rIns="91439" bIns="45719" anchor="t">
@@ -1418,7 +1520,7 @@
                 </a:solidFill>
               </a:defRPr>
             </a:lvl1pPr>
-            <a:lvl2pPr marL="0" indent="228600">
+            <a:lvl2pPr marL="0" indent="0">
               <a:spcBef>
                 <a:spcPts val="0"/>
               </a:spcBef>
@@ -1430,7 +1532,7 @@
                 </a:solidFill>
               </a:defRPr>
             </a:lvl2pPr>
-            <a:lvl3pPr marL="0" indent="457200">
+            <a:lvl3pPr marL="0" indent="0">
               <a:spcBef>
                 <a:spcPts val="0"/>
               </a:spcBef>
@@ -1442,7 +1544,7 @@
                 </a:solidFill>
               </a:defRPr>
             </a:lvl3pPr>
-            <a:lvl4pPr marL="0" indent="685800">
+            <a:lvl4pPr marL="0" indent="0">
               <a:spcBef>
                 <a:spcPts val="0"/>
               </a:spcBef>
@@ -1454,7 +1556,7 @@
                 </a:solidFill>
               </a:defRPr>
             </a:lvl4pPr>
-            <a:lvl5pPr marL="0" indent="914400">
+            <a:lvl5pPr marL="0" indent="0">
               <a:spcBef>
                 <a:spcPts val="0"/>
               </a:spcBef>
@@ -1560,6 +1662,10 @@
           </p:nvPr>
         </p:nvSpPr>
         <p:spPr>
+          <a:xfrm>
+            <a:off x="1473200" y="355600"/>
+            <a:ext cx="21437600" cy="3429000"/>
+          </a:xfrm>
           <a:prstGeom prst="rect">
             <a:avLst/>
           </a:prstGeom>
@@ -1636,6 +1742,10 @@
           </p:nvPr>
         </p:nvSpPr>
         <p:spPr>
+          <a:xfrm>
+            <a:off x="1473200" y="355600"/>
+            <a:ext cx="21437600" cy="3429000"/>
+          </a:xfrm>
           <a:prstGeom prst="rect">
             <a:avLst/>
           </a:prstGeom>
@@ -1797,9 +1907,6 @@
           <a:prstGeom prst="rect">
             <a:avLst/>
           </a:prstGeom>
-          <a:ln w="9525">
-            <a:round/>
-          </a:ln>
         </p:spPr>
         <p:txBody>
           <a:bodyPr lIns="91439" tIns="45719" rIns="91439" bIns="45719" anchor="t">
@@ -1820,6 +1927,10 @@
           </p:nvPr>
         </p:nvSpPr>
         <p:spPr>
+          <a:xfrm>
+            <a:off x="1473200" y="355600"/>
+            <a:ext cx="21437600" cy="3429000"/>
+          </a:xfrm>
           <a:prstGeom prst="rect">
             <a:avLst/>
           </a:prstGeom>
@@ -2107,9 +2218,6 @@
           <a:prstGeom prst="rect">
             <a:avLst/>
           </a:prstGeom>
-          <a:ln w="9525">
-            <a:round/>
-          </a:ln>
         </p:spPr>
         <p:txBody>
           <a:bodyPr lIns="91439" tIns="45719" rIns="91439" bIns="45719" anchor="t">
@@ -2137,9 +2245,6 @@
           <a:prstGeom prst="rect">
             <a:avLst/>
           </a:prstGeom>
-          <a:ln w="9525">
-            <a:round/>
-          </a:ln>
         </p:spPr>
         <p:txBody>
           <a:bodyPr lIns="91439" tIns="45719" rIns="91439" bIns="45719" anchor="t">
@@ -2167,9 +2272,6 @@
           <a:prstGeom prst="rect">
             <a:avLst/>
           </a:prstGeom>
-          <a:ln w="9525">
-            <a:round/>
-          </a:ln>
         </p:spPr>
         <p:txBody>
           <a:bodyPr lIns="91439" tIns="45719" rIns="91439" bIns="45719" anchor="t">
@@ -2191,7 +2293,7 @@
         </p:nvSpPr>
         <p:spPr>
           <a:xfrm>
-            <a:off x="23724221" y="13125450"/>
+            <a:off x="23724222" y="13125450"/>
             <a:ext cx="368504" cy="387070"/>
           </a:xfrm>
           <a:prstGeom prst="rect">
@@ -2346,8 +2448,8 @@
         </p:nvSpPr>
         <p:spPr>
           <a:xfrm>
-            <a:off x="1473200" y="355600"/>
-            <a:ext cx="21437600" cy="3429000"/>
+            <a:off x="3653366" y="2743200"/>
+            <a:ext cx="19507201" cy="930275"/>
           </a:xfrm>
           <a:prstGeom prst="rect">
             <a:avLst/>
@@ -2384,7 +2486,7 @@
         </p:nvSpPr>
         <p:spPr>
           <a:xfrm>
-            <a:off x="23721936" y="13125450"/>
+            <a:off x="23721937" y="13125450"/>
             <a:ext cx="368504" cy="387070"/>
           </a:xfrm>
           <a:prstGeom prst="rect">
@@ -2406,9 +2508,9 @@
                     <a:alpha val="70000"/>
                   </a:srgbClr>
                 </a:solidFill>
-                <a:latin typeface="Helvetica Neue"/>
-                <a:ea typeface="Helvetica Neue"/>
-                <a:cs typeface="Helvetica Neue"/>
+                <a:latin typeface="+mn-lt"/>
+                <a:ea typeface="+mn-ea"/>
+                <a:cs typeface="+mn-cs"/>
                 <a:sym typeface="Helvetica Neue"/>
               </a:defRPr>
             </a:lvl1pPr>
@@ -2471,13 +2573,13 @@
             </a:outerShdw>
           </a:effectLst>
           <a:uFillTx/>
-          <a:latin typeface="+mn-lt"/>
-          <a:ea typeface="+mn-ea"/>
-          <a:cs typeface="+mn-cs"/>
+          <a:latin typeface="Helvetica Neue Light"/>
+          <a:ea typeface="Helvetica Neue Light"/>
+          <a:cs typeface="Helvetica Neue Light"/>
           <a:sym typeface="Helvetica Neue Light"/>
         </a:defRPr>
       </a:lvl1pPr>
-      <a:lvl2pPr marL="0" marR="0" indent="228600" algn="l" defTabSz="825500" rtl="0" latinLnBrk="0">
+      <a:lvl2pPr marL="0" marR="0" indent="0" algn="l" defTabSz="825500" rtl="0" latinLnBrk="0">
         <a:lnSpc>
           <a:spcPct val="100000"/>
         </a:lnSpc>
@@ -2505,13 +2607,13 @@
             </a:outerShdw>
           </a:effectLst>
           <a:uFillTx/>
-          <a:latin typeface="+mn-lt"/>
-          <a:ea typeface="+mn-ea"/>
-          <a:cs typeface="+mn-cs"/>
+          <a:latin typeface="Helvetica Neue Light"/>
+          <a:ea typeface="Helvetica Neue Light"/>
+          <a:cs typeface="Helvetica Neue Light"/>
           <a:sym typeface="Helvetica Neue Light"/>
         </a:defRPr>
       </a:lvl2pPr>
-      <a:lvl3pPr marL="0" marR="0" indent="457200" algn="l" defTabSz="825500" rtl="0" latinLnBrk="0">
+      <a:lvl3pPr marL="0" marR="0" indent="0" algn="l" defTabSz="825500" rtl="0" latinLnBrk="0">
         <a:lnSpc>
           <a:spcPct val="100000"/>
         </a:lnSpc>
@@ -2539,13 +2641,13 @@
             </a:outerShdw>
           </a:effectLst>
           <a:uFillTx/>
-          <a:latin typeface="+mn-lt"/>
-          <a:ea typeface="+mn-ea"/>
-          <a:cs typeface="+mn-cs"/>
+          <a:latin typeface="Helvetica Neue Light"/>
+          <a:ea typeface="Helvetica Neue Light"/>
+          <a:cs typeface="Helvetica Neue Light"/>
           <a:sym typeface="Helvetica Neue Light"/>
         </a:defRPr>
       </a:lvl3pPr>
-      <a:lvl4pPr marL="0" marR="0" indent="685800" algn="l" defTabSz="825500" rtl="0" latinLnBrk="0">
+      <a:lvl4pPr marL="0" marR="0" indent="0" algn="l" defTabSz="825500" rtl="0" latinLnBrk="0">
         <a:lnSpc>
           <a:spcPct val="100000"/>
         </a:lnSpc>
@@ -2573,13 +2675,13 @@
             </a:outerShdw>
           </a:effectLst>
           <a:uFillTx/>
-          <a:latin typeface="+mn-lt"/>
-          <a:ea typeface="+mn-ea"/>
-          <a:cs typeface="+mn-cs"/>
+          <a:latin typeface="Helvetica Neue Light"/>
+          <a:ea typeface="Helvetica Neue Light"/>
+          <a:cs typeface="Helvetica Neue Light"/>
           <a:sym typeface="Helvetica Neue Light"/>
         </a:defRPr>
       </a:lvl4pPr>
-      <a:lvl5pPr marL="0" marR="0" indent="914400" algn="l" defTabSz="825500" rtl="0" latinLnBrk="0">
+      <a:lvl5pPr marL="0" marR="0" indent="0" algn="l" defTabSz="825500" rtl="0" latinLnBrk="0">
         <a:lnSpc>
           <a:spcPct val="100000"/>
         </a:lnSpc>
@@ -2607,13 +2709,13 @@
             </a:outerShdw>
           </a:effectLst>
           <a:uFillTx/>
-          <a:latin typeface="+mn-lt"/>
-          <a:ea typeface="+mn-ea"/>
-          <a:cs typeface="+mn-cs"/>
+          <a:latin typeface="Helvetica Neue Light"/>
+          <a:ea typeface="Helvetica Neue Light"/>
+          <a:cs typeface="Helvetica Neue Light"/>
           <a:sym typeface="Helvetica Neue Light"/>
         </a:defRPr>
       </a:lvl5pPr>
-      <a:lvl6pPr marL="0" marR="0" indent="1143000" algn="l" defTabSz="825500" rtl="0" latinLnBrk="0">
+      <a:lvl6pPr marL="0" marR="0" indent="0" algn="l" defTabSz="825500" rtl="0" latinLnBrk="0">
         <a:lnSpc>
           <a:spcPct val="100000"/>
         </a:lnSpc>
@@ -2641,13 +2743,13 @@
             </a:outerShdw>
           </a:effectLst>
           <a:uFillTx/>
-          <a:latin typeface="+mn-lt"/>
-          <a:ea typeface="+mn-ea"/>
-          <a:cs typeface="+mn-cs"/>
+          <a:latin typeface="Helvetica Neue Light"/>
+          <a:ea typeface="Helvetica Neue Light"/>
+          <a:cs typeface="Helvetica Neue Light"/>
           <a:sym typeface="Helvetica Neue Light"/>
         </a:defRPr>
       </a:lvl6pPr>
-      <a:lvl7pPr marL="0" marR="0" indent="1371600" algn="l" defTabSz="825500" rtl="0" latinLnBrk="0">
+      <a:lvl7pPr marL="0" marR="0" indent="0" algn="l" defTabSz="825500" rtl="0" latinLnBrk="0">
         <a:lnSpc>
           <a:spcPct val="100000"/>
         </a:lnSpc>
@@ -2675,13 +2777,13 @@
             </a:outerShdw>
           </a:effectLst>
           <a:uFillTx/>
-          <a:latin typeface="+mn-lt"/>
-          <a:ea typeface="+mn-ea"/>
-          <a:cs typeface="+mn-cs"/>
+          <a:latin typeface="Helvetica Neue Light"/>
+          <a:ea typeface="Helvetica Neue Light"/>
+          <a:cs typeface="Helvetica Neue Light"/>
           <a:sym typeface="Helvetica Neue Light"/>
         </a:defRPr>
       </a:lvl7pPr>
-      <a:lvl8pPr marL="0" marR="0" indent="1600200" algn="l" defTabSz="825500" rtl="0" latinLnBrk="0">
+      <a:lvl8pPr marL="0" marR="0" indent="0" algn="l" defTabSz="825500" rtl="0" latinLnBrk="0">
         <a:lnSpc>
           <a:spcPct val="100000"/>
         </a:lnSpc>
@@ -2709,13 +2811,13 @@
             </a:outerShdw>
           </a:effectLst>
           <a:uFillTx/>
-          <a:latin typeface="+mn-lt"/>
-          <a:ea typeface="+mn-ea"/>
-          <a:cs typeface="+mn-cs"/>
+          <a:latin typeface="Helvetica Neue Light"/>
+          <a:ea typeface="Helvetica Neue Light"/>
+          <a:cs typeface="Helvetica Neue Light"/>
           <a:sym typeface="Helvetica Neue Light"/>
         </a:defRPr>
       </a:lvl8pPr>
-      <a:lvl9pPr marL="0" marR="0" indent="1828800" algn="l" defTabSz="825500" rtl="0" latinLnBrk="0">
+      <a:lvl9pPr marL="0" marR="0" indent="0" algn="l" defTabSz="825500" rtl="0" latinLnBrk="0">
         <a:lnSpc>
           <a:spcPct val="100000"/>
         </a:lnSpc>
@@ -2743,9 +2845,9 @@
             </a:outerShdw>
           </a:effectLst>
           <a:uFillTx/>
-          <a:latin typeface="+mn-lt"/>
-          <a:ea typeface="+mn-ea"/>
-          <a:cs typeface="+mn-cs"/>
+          <a:latin typeface="Helvetica Neue Light"/>
+          <a:ea typeface="Helvetica Neue Light"/>
+          <a:cs typeface="Helvetica Neue Light"/>
           <a:sym typeface="Helvetica Neue Light"/>
         </a:defRPr>
       </a:lvl9pPr>
@@ -2781,9 +2883,9 @@
             </a:outerShdw>
           </a:effectLst>
           <a:uFillTx/>
-          <a:latin typeface="+mn-lt"/>
-          <a:ea typeface="+mn-ea"/>
-          <a:cs typeface="+mn-cs"/>
+          <a:latin typeface="Helvetica Neue Light"/>
+          <a:ea typeface="Helvetica Neue Light"/>
+          <a:cs typeface="Helvetica Neue Light"/>
           <a:sym typeface="Helvetica Neue Light"/>
         </a:defRPr>
       </a:lvl1pPr>
@@ -2817,9 +2919,9 @@
             </a:outerShdw>
           </a:effectLst>
           <a:uFillTx/>
-          <a:latin typeface="+mn-lt"/>
-          <a:ea typeface="+mn-ea"/>
-          <a:cs typeface="+mn-cs"/>
+          <a:latin typeface="Helvetica Neue Light"/>
+          <a:ea typeface="Helvetica Neue Light"/>
+          <a:cs typeface="Helvetica Neue Light"/>
           <a:sym typeface="Helvetica Neue Light"/>
         </a:defRPr>
       </a:lvl2pPr>
@@ -2853,9 +2955,9 @@
             </a:outerShdw>
           </a:effectLst>
           <a:uFillTx/>
-          <a:latin typeface="+mn-lt"/>
-          <a:ea typeface="+mn-ea"/>
-          <a:cs typeface="+mn-cs"/>
+          <a:latin typeface="Helvetica Neue Light"/>
+          <a:ea typeface="Helvetica Neue Light"/>
+          <a:cs typeface="Helvetica Neue Light"/>
           <a:sym typeface="Helvetica Neue Light"/>
         </a:defRPr>
       </a:lvl3pPr>
@@ -2889,9 +2991,9 @@
             </a:outerShdw>
           </a:effectLst>
           <a:uFillTx/>
-          <a:latin typeface="+mn-lt"/>
-          <a:ea typeface="+mn-ea"/>
-          <a:cs typeface="+mn-cs"/>
+          <a:latin typeface="Helvetica Neue Light"/>
+          <a:ea typeface="Helvetica Neue Light"/>
+          <a:cs typeface="Helvetica Neue Light"/>
           <a:sym typeface="Helvetica Neue Light"/>
         </a:defRPr>
       </a:lvl4pPr>
@@ -2925,9 +3027,9 @@
             </a:outerShdw>
           </a:effectLst>
           <a:uFillTx/>
-          <a:latin typeface="+mn-lt"/>
-          <a:ea typeface="+mn-ea"/>
-          <a:cs typeface="+mn-cs"/>
+          <a:latin typeface="Helvetica Neue Light"/>
+          <a:ea typeface="Helvetica Neue Light"/>
+          <a:cs typeface="Helvetica Neue Light"/>
           <a:sym typeface="Helvetica Neue Light"/>
         </a:defRPr>
       </a:lvl5pPr>
@@ -2961,9 +3063,9 @@
             </a:outerShdw>
           </a:effectLst>
           <a:uFillTx/>
-          <a:latin typeface="+mn-lt"/>
-          <a:ea typeface="+mn-ea"/>
-          <a:cs typeface="+mn-cs"/>
+          <a:latin typeface="Helvetica Neue Light"/>
+          <a:ea typeface="Helvetica Neue Light"/>
+          <a:cs typeface="Helvetica Neue Light"/>
           <a:sym typeface="Helvetica Neue Light"/>
         </a:defRPr>
       </a:lvl6pPr>
@@ -2997,9 +3099,9 @@
             </a:outerShdw>
           </a:effectLst>
           <a:uFillTx/>
-          <a:latin typeface="+mn-lt"/>
-          <a:ea typeface="+mn-ea"/>
-          <a:cs typeface="+mn-cs"/>
+          <a:latin typeface="Helvetica Neue Light"/>
+          <a:ea typeface="Helvetica Neue Light"/>
+          <a:cs typeface="Helvetica Neue Light"/>
           <a:sym typeface="Helvetica Neue Light"/>
         </a:defRPr>
       </a:lvl7pPr>
@@ -3033,9 +3135,9 @@
             </a:outerShdw>
           </a:effectLst>
           <a:uFillTx/>
-          <a:latin typeface="+mn-lt"/>
-          <a:ea typeface="+mn-ea"/>
-          <a:cs typeface="+mn-cs"/>
+          <a:latin typeface="Helvetica Neue Light"/>
+          <a:ea typeface="Helvetica Neue Light"/>
+          <a:cs typeface="Helvetica Neue Light"/>
           <a:sym typeface="Helvetica Neue Light"/>
         </a:defRPr>
       </a:lvl8pPr>
@@ -3069,15 +3171,15 @@
             </a:outerShdw>
           </a:effectLst>
           <a:uFillTx/>
-          <a:latin typeface="+mn-lt"/>
-          <a:ea typeface="+mn-ea"/>
-          <a:cs typeface="+mn-cs"/>
+          <a:latin typeface="Helvetica Neue Light"/>
+          <a:ea typeface="Helvetica Neue Light"/>
+          <a:cs typeface="Helvetica Neue Light"/>
           <a:sym typeface="Helvetica Neue Light"/>
         </a:defRPr>
       </a:lvl9pPr>
     </p:bodyStyle>
     <p:otherStyle>
-      <a:lvl1pPr marL="0" marR="0" indent="0" algn="r" defTabSz="825500" latinLnBrk="0">
+      <a:lvl1pPr marL="0" marR="0" indent="0" algn="r" defTabSz="825500" rtl="0" latinLnBrk="0">
         <a:lnSpc>
           <a:spcPct val="100000"/>
         </a:lnSpc>
@@ -3106,7 +3208,7 @@
           <a:sym typeface="Helvetica Neue"/>
         </a:defRPr>
       </a:lvl1pPr>
-      <a:lvl2pPr marL="0" marR="0" indent="228600" algn="r" defTabSz="825500" latinLnBrk="0">
+      <a:lvl2pPr marL="0" marR="0" indent="0" algn="r" defTabSz="825500" rtl="0" latinLnBrk="0">
         <a:lnSpc>
           <a:spcPct val="100000"/>
         </a:lnSpc>
@@ -3135,7 +3237,7 @@
           <a:sym typeface="Helvetica Neue"/>
         </a:defRPr>
       </a:lvl2pPr>
-      <a:lvl3pPr marL="0" marR="0" indent="457200" algn="r" defTabSz="825500" latinLnBrk="0">
+      <a:lvl3pPr marL="0" marR="0" indent="0" algn="r" defTabSz="825500" rtl="0" latinLnBrk="0">
         <a:lnSpc>
           <a:spcPct val="100000"/>
         </a:lnSpc>
@@ -3164,7 +3266,7 @@
           <a:sym typeface="Helvetica Neue"/>
         </a:defRPr>
       </a:lvl3pPr>
-      <a:lvl4pPr marL="0" marR="0" indent="685800" algn="r" defTabSz="825500" latinLnBrk="0">
+      <a:lvl4pPr marL="0" marR="0" indent="0" algn="r" defTabSz="825500" rtl="0" latinLnBrk="0">
         <a:lnSpc>
           <a:spcPct val="100000"/>
         </a:lnSpc>
@@ -3193,7 +3295,7 @@
           <a:sym typeface="Helvetica Neue"/>
         </a:defRPr>
       </a:lvl4pPr>
-      <a:lvl5pPr marL="0" marR="0" indent="914400" algn="r" defTabSz="825500" latinLnBrk="0">
+      <a:lvl5pPr marL="0" marR="0" indent="0" algn="r" defTabSz="825500" rtl="0" latinLnBrk="0">
         <a:lnSpc>
           <a:spcPct val="100000"/>
         </a:lnSpc>
@@ -3222,7 +3324,7 @@
           <a:sym typeface="Helvetica Neue"/>
         </a:defRPr>
       </a:lvl5pPr>
-      <a:lvl6pPr marL="0" marR="0" indent="1143000" algn="r" defTabSz="825500" latinLnBrk="0">
+      <a:lvl6pPr marL="0" marR="0" indent="0" algn="r" defTabSz="825500" rtl="0" latinLnBrk="0">
         <a:lnSpc>
           <a:spcPct val="100000"/>
         </a:lnSpc>
@@ -3251,7 +3353,7 @@
           <a:sym typeface="Helvetica Neue"/>
         </a:defRPr>
       </a:lvl6pPr>
-      <a:lvl7pPr marL="0" marR="0" indent="1371600" algn="r" defTabSz="825500" latinLnBrk="0">
+      <a:lvl7pPr marL="0" marR="0" indent="0" algn="r" defTabSz="825500" rtl="0" latinLnBrk="0">
         <a:lnSpc>
           <a:spcPct val="100000"/>
         </a:lnSpc>
@@ -3280,7 +3382,7 @@
           <a:sym typeface="Helvetica Neue"/>
         </a:defRPr>
       </a:lvl7pPr>
-      <a:lvl8pPr marL="0" marR="0" indent="1600200" algn="r" defTabSz="825500" latinLnBrk="0">
+      <a:lvl8pPr marL="0" marR="0" indent="0" algn="r" defTabSz="825500" rtl="0" latinLnBrk="0">
         <a:lnSpc>
           <a:spcPct val="100000"/>
         </a:lnSpc>
@@ -3309,7 +3411,7 @@
           <a:sym typeface="Helvetica Neue"/>
         </a:defRPr>
       </a:lvl8pPr>
-      <a:lvl9pPr marL="0" marR="0" indent="1828800" algn="r" defTabSz="825500" latinLnBrk="0">
+      <a:lvl9pPr marL="0" marR="0" indent="0" algn="r" defTabSz="825500" rtl="0" latinLnBrk="0">
         <a:lnSpc>
           <a:spcPct val="100000"/>
         </a:lnSpc>
@@ -3362,7 +3464,7 @@
       </p:grpSpPr>
       <p:pic>
         <p:nvPicPr>
-          <p:cNvPr id="119" name="milanoisozaky_milano_isozaky_fotogram_01.jpg"/>
+          <p:cNvPr id="119" name="image2.jpeg"/>
           <p:cNvPicPr>
             <a:picLocks noChangeAspect="1"/>
           </p:cNvPicPr>
@@ -3380,12 +3482,13 @@
           </a:stretch>
         </p:blipFill>
         <p:spPr>
-          <a:prstGeom prst="rect">
-            <a:avLst/>
-          </a:prstGeom>
-          <a:ln w="12700">
-            <a:miter lim="400000"/>
-          </a:ln>
+          <a:xfrm>
+            <a:off x="1473200" y="1326346"/>
+            <a:ext cx="21437600" cy="8039101"/>
+          </a:xfrm>
+          <a:prstGeom prst="rect">
+            <a:avLst/>
+          </a:prstGeom>
         </p:spPr>
       </p:pic>
       <p:sp>
@@ -3436,6 +3539,736 @@
           </a:p>
         </p:txBody>
       </p:sp>
+    </p:spTree>
+  </p:cSld>
+  <p:clrMapOvr>
+    <a:masterClrMapping/>
+  </p:clrMapOvr>
+  <p:transition xmlns:p14="http://schemas.microsoft.com/office/powerpoint/2010/main" spd="med" advClick="1"/>
+</p:sld>
+</file>
+
+<file path=ppt/slides/slide10.xml><?xml version="1.0" encoding="utf-8"?>
+<p:sld xmlns:a="http://schemas.openxmlformats.org/drawingml/2006/main" xmlns:r="http://schemas.openxmlformats.org/officeDocument/2006/relationships" xmlns:p="http://schemas.openxmlformats.org/presentationml/2006/main" showMasterSp="1" showMasterPhAnim="1">
+  <p:cSld>
+    <p:spTree>
+      <p:nvGrpSpPr>
+        <p:cNvPr id="1" name=""/>
+        <p:cNvGrpSpPr/>
+        <p:nvPr/>
+      </p:nvGrpSpPr>
+      <p:grpSpPr>
+        <a:xfrm>
+          <a:off x="0" y="0"/>
+          <a:ext cx="0" cy="0"/>
+          <a:chOff x="0" y="0"/>
+          <a:chExt cx="0" cy="0"/>
+        </a:xfrm>
+      </p:grpSpPr>
+      <p:sp>
+        <p:nvSpPr>
+          <p:cNvPr id="158" name="Shape 158"/>
+          <p:cNvSpPr/>
+          <p:nvPr>
+            <p:ph type="title"/>
+          </p:nvPr>
+        </p:nvSpPr>
+        <p:spPr>
+          <a:xfrm>
+            <a:off x="1269999" y="355600"/>
+            <a:ext cx="12111699" cy="1922691"/>
+          </a:xfrm>
+          <a:prstGeom prst="rect">
+            <a:avLst/>
+          </a:prstGeom>
+        </p:spPr>
+        <p:txBody>
+          <a:bodyPr/>
+          <a:lstStyle/>
+          <a:p>
+            <a:pPr/>
+            <a:r>
+              <a:t>User Controller</a:t>
+            </a:r>
+          </a:p>
+        </p:txBody>
+      </p:sp>
+      <p:sp>
+        <p:nvSpPr>
+          <p:cNvPr id="159" name="Shape 159"/>
+          <p:cNvSpPr/>
+          <p:nvPr>
+            <p:ph type="body" sz="quarter" idx="1"/>
+          </p:nvPr>
+        </p:nvSpPr>
+        <p:spPr>
+          <a:xfrm>
+            <a:off x="1270000" y="2129021"/>
+            <a:ext cx="9639300" cy="5092702"/>
+          </a:xfrm>
+          <a:prstGeom prst="rect">
+            <a:avLst/>
+          </a:prstGeom>
+        </p:spPr>
+        <p:txBody>
+          <a:bodyPr/>
+          <a:lstStyle/>
+          <a:p>
+            <a:pPr/>
+            <a:r>
+              <a:t>High level description</a:t>
+            </a:r>
+          </a:p>
+        </p:txBody>
+      </p:sp>
+      <p:sp>
+        <p:nvSpPr>
+          <p:cNvPr id="160" name="Shape 160"/>
+          <p:cNvSpPr/>
+          <p:nvPr/>
+        </p:nvSpPr>
+        <p:spPr>
+          <a:xfrm>
+            <a:off x="2129697" y="3334974"/>
+            <a:ext cx="20124607" cy="3286160"/>
+          </a:xfrm>
+          <a:prstGeom prst="rect">
+            <a:avLst/>
+          </a:prstGeom>
+          <a:ln w="12700">
+            <a:miter lim="400000"/>
+          </a:ln>
+          <a:extLst>
+            <a:ext uri="{C572A759-6A51-4108-AA02-DFA0A04FC94B}">
+              <ma14:wrappingTextBoxFlag xmlns:ma14="http://schemas.microsoft.com/office/mac/drawingml/2011/main" val="1"/>
+            </a:ext>
+          </a:extLst>
+        </p:spPr>
+        <p:txBody>
+          <a:bodyPr lIns="50800" tIns="50800" rIns="50800" bIns="50800" anchor="ctr">
+            <a:normAutofit fontScale="100000" lnSpcReduction="0"/>
+          </a:bodyPr>
+          <a:lstStyle/>
+          <a:p>
+            <a:pPr marL="559498" indent="-559498" algn="l" defTabSz="727346">
+              <a:spcBef>
+                <a:spcPts val="4400"/>
+              </a:spcBef>
+              <a:buSzPct val="30000"/>
+              <a:buBlip>
+                <a:blip r:embed="rId2"/>
+              </a:buBlip>
+              <a:defRPr sz="4300">
+                <a:effectLst>
+                  <a:outerShdw sx="100000" sy="100000" kx="0" ky="0" algn="b" rotWithShape="0" blurRad="50800" dist="33569" dir="5400000">
+                    <a:srgbClr val="000000"/>
+                  </a:outerShdw>
+                </a:effectLst>
+                <a:latin typeface="Helvetica Neue Light"/>
+                <a:ea typeface="Helvetica Neue Light"/>
+                <a:cs typeface="Helvetica Neue Light"/>
+                <a:sym typeface="Helvetica Neue Light"/>
+              </a:defRPr>
+            </a:pPr>
+            <a:r>
+              <a:t>Following the MVC paradigm, this controller performs checks on the incoming user requests</a:t>
+            </a:r>
+          </a:p>
+          <a:p>
+            <a:pPr marL="559498" indent="-559498" algn="l" defTabSz="727346">
+              <a:spcBef>
+                <a:spcPts val="4400"/>
+              </a:spcBef>
+              <a:buSzPct val="30000"/>
+              <a:buBlip>
+                <a:blip r:embed="rId2"/>
+              </a:buBlip>
+              <a:defRPr sz="4300">
+                <a:effectLst>
+                  <a:outerShdw sx="100000" sy="100000" kx="0" ky="0" algn="b" rotWithShape="0" blurRad="50800" dist="33569" dir="5400000">
+                    <a:srgbClr val="000000"/>
+                  </a:outerShdw>
+                </a:effectLst>
+                <a:latin typeface="Helvetica Neue Light"/>
+                <a:ea typeface="Helvetica Neue Light"/>
+                <a:cs typeface="Helvetica Neue Light"/>
+                <a:sym typeface="Helvetica Neue Light"/>
+              </a:defRPr>
+            </a:pPr>
+            <a:r>
+              <a:t>It also exposes an interface to provide means to forward notifications of various type to the user.</a:t>
+            </a:r>
+          </a:p>
+        </p:txBody>
+      </p:sp>
+      <p:pic>
+        <p:nvPicPr>
+          <p:cNvPr id="161" name="User_controller_arch.jpg"/>
+          <p:cNvPicPr>
+            <a:picLocks noChangeAspect="1"/>
+          </p:cNvPicPr>
+          <p:nvPr/>
+        </p:nvPicPr>
+        <p:blipFill>
+          <a:blip r:embed="rId3">
+            <a:extLst/>
+          </a:blip>
+          <a:stretch>
+            <a:fillRect/>
+          </a:stretch>
+        </p:blipFill>
+        <p:spPr>
+          <a:xfrm>
+            <a:off x="6857999" y="6995583"/>
+            <a:ext cx="10668001" cy="4826001"/>
+          </a:xfrm>
+          <a:prstGeom prst="rect">
+            <a:avLst/>
+          </a:prstGeom>
+          <a:ln w="12700">
+            <a:miter lim="400000"/>
+          </a:ln>
+        </p:spPr>
+      </p:pic>
+    </p:spTree>
+  </p:cSld>
+  <p:clrMapOvr>
+    <a:masterClrMapping/>
+  </p:clrMapOvr>
+  <p:transition xmlns:p14="http://schemas.microsoft.com/office/powerpoint/2010/main" spd="med" advClick="1"/>
+</p:sld>
+</file>
+
+<file path=ppt/slides/slide11.xml><?xml version="1.0" encoding="utf-8"?>
+<p:sld xmlns:a="http://schemas.openxmlformats.org/drawingml/2006/main" xmlns:r="http://schemas.openxmlformats.org/officeDocument/2006/relationships" xmlns:p="http://schemas.openxmlformats.org/presentationml/2006/main" showMasterSp="1" showMasterPhAnim="1">
+  <p:cSld>
+    <p:spTree>
+      <p:nvGrpSpPr>
+        <p:cNvPr id="1" name=""/>
+        <p:cNvGrpSpPr/>
+        <p:nvPr/>
+      </p:nvGrpSpPr>
+      <p:grpSpPr>
+        <a:xfrm>
+          <a:off x="0" y="0"/>
+          <a:ext cx="0" cy="0"/>
+          <a:chOff x="0" y="0"/>
+          <a:chExt cx="0" cy="0"/>
+        </a:xfrm>
+      </p:grpSpPr>
+      <p:sp>
+        <p:nvSpPr>
+          <p:cNvPr id="163" name="Shape 163"/>
+          <p:cNvSpPr/>
+          <p:nvPr>
+            <p:ph type="title"/>
+          </p:nvPr>
+        </p:nvSpPr>
+        <p:spPr>
+          <a:xfrm>
+            <a:off x="1269999" y="355600"/>
+            <a:ext cx="12111699" cy="1922691"/>
+          </a:xfrm>
+          <a:prstGeom prst="rect">
+            <a:avLst/>
+          </a:prstGeom>
+        </p:spPr>
+        <p:txBody>
+          <a:bodyPr/>
+          <a:lstStyle/>
+          <a:p>
+            <a:pPr/>
+            <a:r>
+              <a:t>Business Manager</a:t>
+            </a:r>
+          </a:p>
+        </p:txBody>
+      </p:sp>
+      <p:sp>
+        <p:nvSpPr>
+          <p:cNvPr id="164" name="Shape 164"/>
+          <p:cNvSpPr/>
+          <p:nvPr>
+            <p:ph type="body" sz="quarter" idx="1"/>
+          </p:nvPr>
+        </p:nvSpPr>
+        <p:spPr>
+          <a:xfrm>
+            <a:off x="1270000" y="2129021"/>
+            <a:ext cx="9639300" cy="5092702"/>
+          </a:xfrm>
+          <a:prstGeom prst="rect">
+            <a:avLst/>
+          </a:prstGeom>
+        </p:spPr>
+        <p:txBody>
+          <a:bodyPr/>
+          <a:lstStyle/>
+          <a:p>
+            <a:pPr/>
+            <a:r>
+              <a:t>High level description</a:t>
+            </a:r>
+          </a:p>
+        </p:txBody>
+      </p:sp>
+      <p:pic>
+        <p:nvPicPr>
+          <p:cNvPr id="165" name="Business_manager_arch.jpg"/>
+          <p:cNvPicPr>
+            <a:picLocks noChangeAspect="1"/>
+          </p:cNvPicPr>
+          <p:nvPr/>
+        </p:nvPicPr>
+        <p:blipFill>
+          <a:blip r:embed="rId2">
+            <a:extLst/>
+          </a:blip>
+          <a:stretch>
+            <a:fillRect/>
+          </a:stretch>
+        </p:blipFill>
+        <p:spPr>
+          <a:xfrm>
+            <a:off x="2088201" y="3329987"/>
+            <a:ext cx="20207598" cy="9788055"/>
+          </a:xfrm>
+          <a:prstGeom prst="rect">
+            <a:avLst/>
+          </a:prstGeom>
+          <a:ln w="12700">
+            <a:miter lim="400000"/>
+          </a:ln>
+        </p:spPr>
+      </p:pic>
+    </p:spTree>
+  </p:cSld>
+  <p:clrMapOvr>
+    <a:masterClrMapping/>
+  </p:clrMapOvr>
+  <p:transition xmlns:p14="http://schemas.microsoft.com/office/powerpoint/2010/main" spd="med" advClick="1"/>
+</p:sld>
+</file>
+
+<file path=ppt/slides/slide12.xml><?xml version="1.0" encoding="utf-8"?>
+<p:sld xmlns:a="http://schemas.openxmlformats.org/drawingml/2006/main" xmlns:r="http://schemas.openxmlformats.org/officeDocument/2006/relationships" xmlns:p="http://schemas.openxmlformats.org/presentationml/2006/main" showMasterSp="1" showMasterPhAnim="1">
+  <p:cSld>
+    <p:spTree>
+      <p:nvGrpSpPr>
+        <p:cNvPr id="1" name=""/>
+        <p:cNvGrpSpPr/>
+        <p:nvPr/>
+      </p:nvGrpSpPr>
+      <p:grpSpPr>
+        <a:xfrm>
+          <a:off x="0" y="0"/>
+          <a:ext cx="0" cy="0"/>
+          <a:chOff x="0" y="0"/>
+          <a:chExt cx="0" cy="0"/>
+        </a:xfrm>
+      </p:grpSpPr>
+      <p:sp>
+        <p:nvSpPr>
+          <p:cNvPr id="167" name="Shape 167"/>
+          <p:cNvSpPr/>
+          <p:nvPr>
+            <p:ph type="title"/>
+          </p:nvPr>
+        </p:nvSpPr>
+        <p:spPr>
+          <a:xfrm>
+            <a:off x="1269999" y="355600"/>
+            <a:ext cx="12111699" cy="1922691"/>
+          </a:xfrm>
+          <a:prstGeom prst="rect">
+            <a:avLst/>
+          </a:prstGeom>
+        </p:spPr>
+        <p:txBody>
+          <a:bodyPr/>
+          <a:lstStyle/>
+          <a:p>
+            <a:pPr/>
+            <a:r>
+              <a:t>Business Manager</a:t>
+            </a:r>
+          </a:p>
+        </p:txBody>
+      </p:sp>
+      <p:sp>
+        <p:nvSpPr>
+          <p:cNvPr id="168" name="Shape 168"/>
+          <p:cNvSpPr/>
+          <p:nvPr>
+            <p:ph type="body" sz="quarter" idx="1"/>
+          </p:nvPr>
+        </p:nvSpPr>
+        <p:spPr>
+          <a:xfrm>
+            <a:off x="1270000" y="2129021"/>
+            <a:ext cx="9639300" cy="5092702"/>
+          </a:xfrm>
+          <a:prstGeom prst="rect">
+            <a:avLst/>
+          </a:prstGeom>
+        </p:spPr>
+        <p:txBody>
+          <a:bodyPr/>
+          <a:lstStyle/>
+          <a:p>
+            <a:pPr/>
+            <a:r>
+              <a:t>High level description</a:t>
+            </a:r>
+          </a:p>
+        </p:txBody>
+      </p:sp>
+      <p:sp>
+        <p:nvSpPr>
+          <p:cNvPr id="169" name="Shape 169"/>
+          <p:cNvSpPr/>
+          <p:nvPr/>
+        </p:nvSpPr>
+        <p:spPr>
+          <a:xfrm>
+            <a:off x="2129697" y="3802369"/>
+            <a:ext cx="20124607" cy="7604160"/>
+          </a:xfrm>
+          <a:prstGeom prst="rect">
+            <a:avLst/>
+          </a:prstGeom>
+          <a:ln w="12700">
+            <a:miter lim="400000"/>
+          </a:ln>
+          <a:extLst>
+            <a:ext uri="{C572A759-6A51-4108-AA02-DFA0A04FC94B}">
+              <ma14:wrappingTextBoxFlag xmlns:ma14="http://schemas.microsoft.com/office/mac/drawingml/2011/main" val="1"/>
+            </a:ext>
+          </a:extLst>
+        </p:spPr>
+        <p:txBody>
+          <a:bodyPr lIns="50800" tIns="50800" rIns="50800" bIns="50800" anchor="ctr">
+            <a:normAutofit fontScale="100000" lnSpcReduction="0"/>
+          </a:bodyPr>
+          <a:lstStyle/>
+          <a:p>
+            <a:pPr marL="559498" indent="-559498" algn="l" defTabSz="727346">
+              <a:spcBef>
+                <a:spcPts val="4400"/>
+              </a:spcBef>
+              <a:buSzPct val="30000"/>
+              <a:buBlip>
+                <a:blip r:embed="rId2"/>
+              </a:buBlip>
+              <a:defRPr sz="4300">
+                <a:effectLst>
+                  <a:outerShdw sx="100000" sy="100000" kx="0" ky="0" algn="b" rotWithShape="0" blurRad="50800" dist="33569" dir="5400000">
+                    <a:srgbClr val="000000"/>
+                  </a:outerShdw>
+                </a:effectLst>
+                <a:latin typeface="Helvetica Neue Light"/>
+                <a:ea typeface="Helvetica Neue Light"/>
+                <a:cs typeface="Helvetica Neue Light"/>
+                <a:sym typeface="Helvetica Neue Light"/>
+              </a:defRPr>
+            </a:pPr>
+            <a:r>
+              <a:t>Exposes interfaces to provide all the business logic functionalities both to users and physical car.</a:t>
+            </a:r>
+          </a:p>
+          <a:p>
+            <a:pPr lvl="5" marL="559498" indent="-559498" algn="l" defTabSz="727346">
+              <a:spcBef>
+                <a:spcPts val="4400"/>
+              </a:spcBef>
+              <a:buSzPct val="30000"/>
+              <a:buBlip>
+                <a:blip r:embed="rId2"/>
+              </a:buBlip>
+              <a:defRPr sz="4300">
+                <a:effectLst>
+                  <a:outerShdw sx="100000" sy="100000" kx="0" ky="0" algn="b" rotWithShape="0" blurRad="50800" dist="33569" dir="5400000">
+                    <a:srgbClr val="000000"/>
+                  </a:outerShdw>
+                </a:effectLst>
+                <a:latin typeface="Helvetica Neue Light"/>
+                <a:ea typeface="Helvetica Neue Light"/>
+                <a:cs typeface="Helvetica Neue Light"/>
+                <a:sym typeface="Helvetica Neue Light"/>
+              </a:defRPr>
+            </a:pPr>
+            <a:r>
+              <a:t>Relies directly on the SQL interface to interact with the database services</a:t>
+            </a:r>
+          </a:p>
+          <a:p>
+            <a:pPr lvl="5" marL="559498" indent="-559498" algn="l" defTabSz="727346">
+              <a:spcBef>
+                <a:spcPts val="4400"/>
+              </a:spcBef>
+              <a:buSzPct val="30000"/>
+              <a:buBlip>
+                <a:blip r:embed="rId2"/>
+              </a:buBlip>
+              <a:defRPr sz="4300">
+                <a:effectLst>
+                  <a:outerShdw sx="100000" sy="100000" kx="0" ky="0" algn="b" rotWithShape="0" blurRad="50800" dist="33569" dir="5400000">
+                    <a:srgbClr val="000000"/>
+                  </a:outerShdw>
+                </a:effectLst>
+                <a:latin typeface="Helvetica Neue Light"/>
+                <a:ea typeface="Helvetica Neue Light"/>
+                <a:cs typeface="Helvetica Neue Light"/>
+                <a:sym typeface="Helvetica Neue Light"/>
+              </a:defRPr>
+            </a:pPr>
+            <a:r>
+              <a:t>Relies on the UserNotificationServices interface provided by the UserController to forward notifications to the users.</a:t>
+            </a:r>
+          </a:p>
+          <a:p>
+            <a:pPr lvl="5" marL="559498" indent="-559498" algn="l" defTabSz="727346">
+              <a:spcBef>
+                <a:spcPts val="4400"/>
+              </a:spcBef>
+              <a:buSzPct val="30000"/>
+              <a:buBlip>
+                <a:blip r:embed="rId2"/>
+              </a:buBlip>
+              <a:defRPr sz="4300">
+                <a:effectLst>
+                  <a:outerShdw sx="100000" sy="100000" kx="0" ky="0" algn="b" rotWithShape="0" blurRad="50800" dist="33569" dir="5400000">
+                    <a:srgbClr val="000000"/>
+                  </a:outerShdw>
+                </a:effectLst>
+                <a:latin typeface="Helvetica Neue Light"/>
+                <a:ea typeface="Helvetica Neue Light"/>
+                <a:cs typeface="Helvetica Neue Light"/>
+                <a:sym typeface="Helvetica Neue Light"/>
+              </a:defRPr>
+            </a:pPr>
+            <a:r>
+              <a:t>Relies on the CarControlProtocol interface provided by the CarController to forward commands to the cars.</a:t>
+            </a:r>
+          </a:p>
+          <a:p>
+            <a:pPr lvl="5" marL="559498" indent="-559498" algn="l" defTabSz="727346">
+              <a:spcBef>
+                <a:spcPts val="4400"/>
+              </a:spcBef>
+              <a:buSzPct val="30000"/>
+              <a:buBlip>
+                <a:blip r:embed="rId2"/>
+              </a:buBlip>
+              <a:defRPr sz="4300">
+                <a:effectLst>
+                  <a:outerShdw sx="100000" sy="100000" kx="0" ky="0" algn="b" rotWithShape="0" blurRad="50800" dist="33569" dir="5400000">
+                    <a:srgbClr val="000000"/>
+                  </a:outerShdw>
+                </a:effectLst>
+                <a:latin typeface="Helvetica Neue Light"/>
+                <a:ea typeface="Helvetica Neue Light"/>
+                <a:cs typeface="Helvetica Neue Light"/>
+                <a:sym typeface="Helvetica Neue Light"/>
+              </a:defRPr>
+            </a:pPr>
+            <a:r>
+              <a:t>Relies on PaymentServices provided by the Payment software component</a:t>
+            </a:r>
+          </a:p>
+        </p:txBody>
+      </p:sp>
+    </p:spTree>
+  </p:cSld>
+  <p:clrMapOvr>
+    <a:masterClrMapping/>
+  </p:clrMapOvr>
+  <p:transition xmlns:p14="http://schemas.microsoft.com/office/powerpoint/2010/main" spd="med" advClick="1"/>
+</p:sld>
+</file>
+
+<file path=ppt/slides/slide13.xml><?xml version="1.0" encoding="utf-8"?>
+<p:sld xmlns:a="http://schemas.openxmlformats.org/drawingml/2006/main" xmlns:r="http://schemas.openxmlformats.org/officeDocument/2006/relationships" xmlns:p="http://schemas.openxmlformats.org/presentationml/2006/main" showMasterSp="1" showMasterPhAnim="1">
+  <p:cSld>
+    <p:spTree>
+      <p:nvGrpSpPr>
+        <p:cNvPr id="1" name=""/>
+        <p:cNvGrpSpPr/>
+        <p:nvPr/>
+      </p:nvGrpSpPr>
+      <p:grpSpPr>
+        <a:xfrm>
+          <a:off x="0" y="0"/>
+          <a:ext cx="0" cy="0"/>
+          <a:chOff x="0" y="0"/>
+          <a:chExt cx="0" cy="0"/>
+        </a:xfrm>
+      </p:grpSpPr>
+      <p:sp>
+        <p:nvSpPr>
+          <p:cNvPr id="171" name="Shape 171"/>
+          <p:cNvSpPr/>
+          <p:nvPr>
+            <p:ph type="title"/>
+          </p:nvPr>
+        </p:nvSpPr>
+        <p:spPr>
+          <a:xfrm>
+            <a:off x="1269999" y="355600"/>
+            <a:ext cx="12111699" cy="1922691"/>
+          </a:xfrm>
+          <a:prstGeom prst="rect">
+            <a:avLst/>
+          </a:prstGeom>
+        </p:spPr>
+        <p:txBody>
+          <a:bodyPr/>
+          <a:lstStyle/>
+          <a:p>
+            <a:pPr/>
+            <a:r>
+              <a:t>Reservation Manager</a:t>
+            </a:r>
+          </a:p>
+        </p:txBody>
+      </p:sp>
+      <p:sp>
+        <p:nvSpPr>
+          <p:cNvPr id="172" name="Shape 172"/>
+          <p:cNvSpPr/>
+          <p:nvPr>
+            <p:ph type="body" sz="quarter" idx="1"/>
+          </p:nvPr>
+        </p:nvSpPr>
+        <p:spPr>
+          <a:xfrm>
+            <a:off x="1270000" y="2129021"/>
+            <a:ext cx="9639300" cy="5092702"/>
+          </a:xfrm>
+          <a:prstGeom prst="rect">
+            <a:avLst/>
+          </a:prstGeom>
+        </p:spPr>
+        <p:txBody>
+          <a:bodyPr/>
+          <a:lstStyle/>
+          <a:p>
+            <a:pPr/>
+            <a:r>
+              <a:t>High level description</a:t>
+            </a:r>
+          </a:p>
+        </p:txBody>
+      </p:sp>
+      <p:sp>
+        <p:nvSpPr>
+          <p:cNvPr id="173" name="Shape 173"/>
+          <p:cNvSpPr/>
+          <p:nvPr/>
+        </p:nvSpPr>
+        <p:spPr>
+          <a:xfrm>
+            <a:off x="2129697" y="3665174"/>
+            <a:ext cx="20124607" cy="2625761"/>
+          </a:xfrm>
+          <a:prstGeom prst="rect">
+            <a:avLst/>
+          </a:prstGeom>
+          <a:ln w="12700">
+            <a:miter lim="400000"/>
+          </a:ln>
+          <a:extLst>
+            <a:ext uri="{C572A759-6A51-4108-AA02-DFA0A04FC94B}">
+              <ma14:wrappingTextBoxFlag xmlns:ma14="http://schemas.microsoft.com/office/mac/drawingml/2011/main" val="1"/>
+            </a:ext>
+          </a:extLst>
+        </p:spPr>
+        <p:txBody>
+          <a:bodyPr lIns="50800" tIns="50800" rIns="50800" bIns="50800" anchor="ctr">
+            <a:normAutofit fontScale="100000" lnSpcReduction="0"/>
+          </a:bodyPr>
+          <a:lstStyle/>
+          <a:p>
+            <a:pPr marL="559498" indent="-559498" algn="l" defTabSz="727346">
+              <a:spcBef>
+                <a:spcPts val="4400"/>
+              </a:spcBef>
+              <a:buSzPct val="30000"/>
+              <a:buBlip>
+                <a:blip r:embed="rId2"/>
+              </a:buBlip>
+              <a:defRPr sz="4300">
+                <a:effectLst>
+                  <a:outerShdw sx="100000" sy="100000" kx="0" ky="0" algn="b" rotWithShape="0" blurRad="50800" dist="33569" dir="5400000">
+                    <a:srgbClr val="000000"/>
+                  </a:outerShdw>
+                </a:effectLst>
+                <a:latin typeface="Helvetica Neue Light"/>
+                <a:ea typeface="Helvetica Neue Light"/>
+                <a:cs typeface="Helvetica Neue Light"/>
+                <a:sym typeface="Helvetica Neue Light"/>
+              </a:defRPr>
+            </a:pPr>
+            <a:r>
+              <a:t>It Is one of the core software components of the business logic</a:t>
+            </a:r>
+          </a:p>
+          <a:p>
+            <a:pPr marL="559498" indent="-559498" algn="l" defTabSz="727346">
+              <a:spcBef>
+                <a:spcPts val="4400"/>
+              </a:spcBef>
+              <a:buSzPct val="30000"/>
+              <a:buBlip>
+                <a:blip r:embed="rId2"/>
+              </a:buBlip>
+              <a:defRPr sz="4300">
+                <a:effectLst>
+                  <a:outerShdw sx="100000" sy="100000" kx="0" ky="0" algn="b" rotWithShape="0" blurRad="50800" dist="33569" dir="5400000">
+                    <a:srgbClr val="000000"/>
+                  </a:outerShdw>
+                </a:effectLst>
+                <a:latin typeface="Helvetica Neue Light"/>
+                <a:ea typeface="Helvetica Neue Light"/>
+                <a:cs typeface="Helvetica Neue Light"/>
+                <a:sym typeface="Helvetica Neue Light"/>
+              </a:defRPr>
+            </a:pPr>
+            <a:r>
+              <a:t>The Reservation Manager is in charge of all reservation operations, including the computation of a reservation's cost.</a:t>
+            </a:r>
+          </a:p>
+        </p:txBody>
+      </p:sp>
+      <p:pic>
+        <p:nvPicPr>
+          <p:cNvPr id="174" name="Reservation_manager_arch.jpg"/>
+          <p:cNvPicPr>
+            <a:picLocks noChangeAspect="1"/>
+          </p:cNvPicPr>
+          <p:nvPr/>
+        </p:nvPicPr>
+        <p:blipFill>
+          <a:blip r:embed="rId3">
+            <a:extLst/>
+          </a:blip>
+          <a:stretch>
+            <a:fillRect/>
+          </a:stretch>
+        </p:blipFill>
+        <p:spPr>
+          <a:xfrm>
+            <a:off x="6836097" y="6891312"/>
+            <a:ext cx="10711806" cy="5913810"/>
+          </a:xfrm>
+          <a:prstGeom prst="rect">
+            <a:avLst/>
+          </a:prstGeom>
+          <a:ln w="12700">
+            <a:miter lim="400000"/>
+          </a:ln>
+        </p:spPr>
+      </p:pic>
     </p:spTree>
   </p:cSld>
   <p:clrMapOvr>
@@ -3495,6 +4328,10 @@
           </p:nvPr>
         </p:nvSpPr>
         <p:spPr>
+          <a:xfrm>
+            <a:off x="1473200" y="2544233"/>
+            <a:ext cx="21437601" cy="8039101"/>
+          </a:xfrm>
           <a:prstGeom prst="rect">
             <a:avLst/>
           </a:prstGeom>
@@ -3520,26 +4357,6 @@
             </a:pPr>
             <a:r>
               <a:t>Status of the market</a:t>
-            </a:r>
-          </a:p>
-          <a:p>
-            <a:pPr>
-              <a:buBlip>
-                <a:blip r:embed="rId2"/>
-              </a:buBlip>
-            </a:pPr>
-            <a:r>
-              <a:t>System to be </a:t>
-            </a:r>
-          </a:p>
-          <a:p>
-            <a:pPr lvl="2">
-              <a:buBlip>
-                <a:blip r:embed="rId2"/>
-              </a:buBlip>
-            </a:pPr>
-            <a:r>
-              <a:t>Goals &amp; Requirements</a:t>
             </a:r>
           </a:p>
         </p:txBody>
@@ -3581,7 +4398,7 @@
         <p:spPr>
           <a:xfrm>
             <a:off x="1271119" y="355600"/>
-            <a:ext cx="21437601" cy="3429000"/>
+            <a:ext cx="21437602" cy="3429000"/>
           </a:xfrm>
           <a:prstGeom prst="rect">
             <a:avLst/>
@@ -3606,8 +4423,8 @@
         </p:nvSpPr>
         <p:spPr>
           <a:xfrm>
-            <a:off x="1188566" y="3533613"/>
-            <a:ext cx="20818306" cy="2798035"/>
+            <a:off x="1782846" y="3505965"/>
+            <a:ext cx="20818308" cy="2798035"/>
           </a:xfrm>
           <a:prstGeom prst="rect">
             <a:avLst/>
@@ -3627,15 +4444,22 @@
           </a:bodyPr>
           <a:lstStyle/>
           <a:p>
-            <a:pPr algn="l"/>
+            <a:pPr algn="l">
+              <a:defRPr>
+                <a:latin typeface="Helvetica Neue Light"/>
+                <a:ea typeface="Helvetica Neue Light"/>
+                <a:cs typeface="Helvetica Neue Light"/>
+                <a:sym typeface="Helvetica Neue Light"/>
+              </a:defRPr>
+            </a:pPr>
             <a:r>
               <a:t>We manage to design and develop a digital management system for a car-sharing service that </a:t>
             </a:r>
             <a:r>
               <a:rPr b="1">
-                <a:latin typeface="Helvetica Neue"/>
-                <a:ea typeface="Helvetica Neue"/>
-                <a:cs typeface="Helvetica Neue"/>
+                <a:latin typeface="+mn-lt"/>
+                <a:ea typeface="+mn-ea"/>
+                <a:cs typeface="+mn-cs"/>
                 <a:sym typeface="Helvetica Neue"/>
               </a:rPr>
               <a:t>exclusively employs electric cars</a:t>
@@ -3653,8 +4477,8 @@
         </p:nvSpPr>
         <p:spPr>
           <a:xfrm>
-            <a:off x="1094438" y="7250180"/>
-            <a:ext cx="21437601" cy="2197101"/>
+            <a:off x="1473199" y="7111947"/>
+            <a:ext cx="21437602" cy="2197103"/>
           </a:xfrm>
           <a:prstGeom prst="rect">
             <a:avLst/>
@@ -3692,8 +4516,8 @@
         </p:nvSpPr>
         <p:spPr>
           <a:xfrm>
-            <a:off x="1188566" y="9070660"/>
-            <a:ext cx="20818306" cy="2772635"/>
+            <a:off x="1580766" y="8904782"/>
+            <a:ext cx="20818308" cy="2772635"/>
           </a:xfrm>
           <a:prstGeom prst="rect">
             <a:avLst/>
@@ -3713,15 +4537,22 @@
           </a:bodyPr>
           <a:lstStyle/>
           <a:p>
-            <a:pPr algn="l"/>
+            <a:pPr algn="l">
+              <a:defRPr>
+                <a:latin typeface="Helvetica Neue Light"/>
+                <a:ea typeface="Helvetica Neue Light"/>
+                <a:cs typeface="Helvetica Neue Light"/>
+                <a:sym typeface="Helvetica Neue Light"/>
+              </a:defRPr>
+            </a:pPr>
             <a:r>
               <a:t>Because big cities are already experiencing high levels of pollution, and their citizens are looking for a new way to move that may be, at the same time, </a:t>
             </a:r>
             <a:r>
               <a:rPr b="1">
-                <a:latin typeface="Helvetica Neue"/>
-                <a:ea typeface="Helvetica Neue"/>
-                <a:cs typeface="Helvetica Neue"/>
+                <a:latin typeface="+mn-lt"/>
+                <a:ea typeface="+mn-ea"/>
+                <a:cs typeface="+mn-cs"/>
                 <a:sym typeface="Helvetica Neue"/>
               </a:rPr>
               <a:t>cheaper and green</a:t>
@@ -3768,8 +4599,8 @@
         </p:nvSpPr>
         <p:spPr>
           <a:xfrm>
-            <a:off x="1272611" y="355600"/>
-            <a:ext cx="21437601" cy="3429001"/>
+            <a:off x="1272611" y="355598"/>
+            <a:ext cx="21437602" cy="3429005"/>
           </a:xfrm>
           <a:prstGeom prst="rect">
             <a:avLst/>
@@ -3796,8 +4627,8 @@
         </p:nvSpPr>
         <p:spPr>
           <a:xfrm>
-            <a:off x="1184566" y="3362321"/>
-            <a:ext cx="22646135" cy="9124957"/>
+            <a:off x="868930" y="3251736"/>
+            <a:ext cx="22646140" cy="9124958"/>
           </a:xfrm>
           <a:prstGeom prst="rect">
             <a:avLst/>
@@ -3814,9 +4645,9 @@
               <a:buBlip>
                 <a:blip r:embed="rId2"/>
               </a:buBlip>
-              <a:defRPr sz="4450">
+              <a:defRPr sz="4400">
                 <a:effectLst>
-                  <a:outerShdw sx="100000" sy="100000" kx="0" ky="0" algn="b" rotWithShape="0" blurRad="45212" dist="33909" dir="5400000">
+                  <a:outerShdw sx="100000" sy="100000" kx="0" ky="0" algn="b" rotWithShape="0" blurRad="50800" dist="33909" dir="5400000">
                     <a:srgbClr val="000000"/>
                   </a:outerShdw>
                 </a:effectLst>
@@ -3827,9 +4658,9 @@
             </a:r>
             <a:r>
               <a:rPr b="1">
-                <a:latin typeface="Helvetica Neue"/>
-                <a:ea typeface="Helvetica Neue"/>
-                <a:cs typeface="Helvetica Neue"/>
+                <a:latin typeface="+mn-lt"/>
+                <a:ea typeface="+mn-ea"/>
+                <a:cs typeface="+mn-cs"/>
                 <a:sym typeface="Helvetica Neue"/>
               </a:rPr>
               <a:t>discover available cars nearby</a:t>
@@ -3846,9 +4677,9 @@
               <a:buBlip>
                 <a:blip r:embed="rId2"/>
               </a:buBlip>
-              <a:defRPr sz="4450">
+              <a:defRPr sz="4400">
                 <a:effectLst>
-                  <a:outerShdw sx="100000" sy="100000" kx="0" ky="0" algn="b" rotWithShape="0" blurRad="45212" dist="33909" dir="5400000">
+                  <a:outerShdw sx="100000" sy="100000" kx="0" ky="0" algn="b" rotWithShape="0" blurRad="50800" dist="33909" dir="5400000">
                     <a:srgbClr val="000000"/>
                   </a:outerShdw>
                 </a:effectLst>
@@ -3859,9 +4690,9 @@
             </a:r>
             <a:r>
               <a:rPr b="1">
-                <a:latin typeface="Helvetica Neue"/>
-                <a:ea typeface="Helvetica Neue"/>
-                <a:cs typeface="Helvetica Neue"/>
+                <a:latin typeface="+mn-lt"/>
+                <a:ea typeface="+mn-ea"/>
+                <a:cs typeface="+mn-cs"/>
                 <a:sym typeface="Helvetica Neue"/>
               </a:rPr>
               <a:t>book a car for a limited time</a:t>
@@ -3878,9 +4709,9 @@
               <a:buBlip>
                 <a:blip r:embed="rId2"/>
               </a:buBlip>
-              <a:defRPr sz="4450">
+              <a:defRPr sz="4400">
                 <a:effectLst>
-                  <a:outerShdw sx="100000" sy="100000" kx="0" ky="0" algn="b" rotWithShape="0" blurRad="45212" dist="33909" dir="5400000">
+                  <a:outerShdw sx="100000" sy="100000" kx="0" ky="0" algn="b" rotWithShape="0" blurRad="50800" dist="33909" dir="5400000">
                     <a:srgbClr val="000000"/>
                   </a:outerShdw>
                 </a:effectLst>
@@ -3891,17 +4722,17 @@
             </a:r>
             <a:r>
               <a:rPr b="1">
-                <a:latin typeface="Helvetica Neue"/>
-                <a:ea typeface="Helvetica Neue"/>
-                <a:cs typeface="Helvetica Neue"/>
+                <a:latin typeface="+mn-lt"/>
+                <a:ea typeface="+mn-ea"/>
+                <a:cs typeface="+mn-cs"/>
                 <a:sym typeface="Helvetica Neue"/>
               </a:rPr>
               <a:t>delete his/her reservation</a:t>
             </a:r>
             <a:endParaRPr b="1">
-              <a:latin typeface="Helvetica Neue"/>
-              <a:ea typeface="Helvetica Neue"/>
-              <a:cs typeface="Helvetica Neue"/>
+              <a:latin typeface="+mn-lt"/>
+              <a:ea typeface="+mn-ea"/>
+              <a:cs typeface="+mn-cs"/>
               <a:sym typeface="Helvetica Neue"/>
             </a:endParaRPr>
           </a:p>
@@ -3913,9 +4744,9 @@
               <a:buBlip>
                 <a:blip r:embed="rId2"/>
               </a:buBlip>
-              <a:defRPr sz="4450">
+              <a:defRPr sz="4400">
                 <a:effectLst>
-                  <a:outerShdw sx="100000" sy="100000" kx="0" ky="0" algn="b" rotWithShape="0" blurRad="45212" dist="33909" dir="5400000">
+                  <a:outerShdw sx="100000" sy="100000" kx="0" ky="0" algn="b" rotWithShape="0" blurRad="50800" dist="33909" dir="5400000">
                     <a:srgbClr val="000000"/>
                   </a:outerShdw>
                 </a:effectLst>
@@ -3933,9 +4764,9 @@
               <a:buBlip>
                 <a:blip r:embed="rId2"/>
               </a:buBlip>
-              <a:defRPr sz="4450">
+              <a:defRPr sz="4400">
                 <a:effectLst>
-                  <a:outerShdw sx="100000" sy="100000" kx="0" ky="0" algn="b" rotWithShape="0" blurRad="45212" dist="33909" dir="5400000">
+                  <a:outerShdw sx="100000" sy="100000" kx="0" ky="0" algn="b" rotWithShape="0" blurRad="50800" dist="33909" dir="5400000">
                     <a:srgbClr val="000000"/>
                   </a:outerShdw>
                 </a:effectLst>
@@ -3953,9 +4784,9 @@
               <a:buBlip>
                 <a:blip r:embed="rId2"/>
               </a:buBlip>
-              <a:defRPr sz="4450">
+              <a:defRPr sz="4400">
                 <a:effectLst>
-                  <a:outerShdw sx="100000" sy="100000" kx="0" ky="0" algn="b" rotWithShape="0" blurRad="45212" dist="33909" dir="5400000">
+                  <a:outerShdw sx="100000" sy="100000" kx="0" ky="0" algn="b" rotWithShape="0" blurRad="50800" dist="33909" dir="5400000">
                     <a:srgbClr val="000000"/>
                   </a:outerShdw>
                 </a:effectLst>
@@ -3966,9 +4797,9 @@
             </a:r>
             <a:r>
               <a:rPr b="1">
-                <a:latin typeface="Helvetica Neue"/>
-                <a:ea typeface="Helvetica Neue"/>
-                <a:cs typeface="Helvetica Neue"/>
+                <a:latin typeface="+mn-lt"/>
+                <a:ea typeface="+mn-ea"/>
+                <a:cs typeface="+mn-cs"/>
                 <a:sym typeface="Helvetica Neue"/>
               </a:rPr>
               <a:t>virtuous behaviors of the users</a:t>
@@ -4007,9 +4838,9 @@
       </p:grpSpPr>
       <p:pic>
         <p:nvPicPr>
-          <p:cNvPr id="134" name=""/>
+          <p:cNvPr id="134" name="image2.png"/>
           <p:cNvPicPr>
-            <a:picLocks noChangeAspect="0"/>
+            <a:picLocks noChangeAspect="1"/>
           </p:cNvPicPr>
           <p:nvPr>
             <p:ph type="pic" idx="13"/>
@@ -4035,9 +4866,9 @@
       </p:pic>
       <p:pic>
         <p:nvPicPr>
-          <p:cNvPr id="135" name=""/>
+          <p:cNvPr id="135" name="image3.png"/>
           <p:cNvPicPr>
-            <a:picLocks noChangeAspect="0"/>
+            <a:picLocks noChangeAspect="1"/>
           </p:cNvPicPr>
           <p:nvPr>
             <p:ph type="pic" idx="14"/>
@@ -4072,7 +4903,7 @@
         <p:spPr>
           <a:xfrm>
             <a:off x="1272611" y="355600"/>
-            <a:ext cx="21437601" cy="3429000"/>
+            <a:ext cx="21437602" cy="3429000"/>
           </a:xfrm>
           <a:prstGeom prst="rect">
             <a:avLst/>
@@ -4097,8 +4928,8 @@
         </p:nvSpPr>
         <p:spPr>
           <a:xfrm>
-            <a:off x="1260865" y="3367021"/>
-            <a:ext cx="13622582" cy="3636234"/>
+            <a:off x="1260864" y="3783874"/>
+            <a:ext cx="13622585" cy="2747234"/>
           </a:xfrm>
           <a:prstGeom prst="rect">
             <a:avLst/>
@@ -4118,7 +4949,14 @@
           </a:bodyPr>
           <a:lstStyle/>
           <a:p>
-            <a:pPr algn="l"/>
+            <a:pPr algn="l">
+              <a:defRPr>
+                <a:latin typeface="Helvetica Neue Light"/>
+                <a:ea typeface="Helvetica Neue Light"/>
+                <a:cs typeface="Helvetica Neue Light"/>
+                <a:sym typeface="Helvetica Neue Light"/>
+              </a:defRPr>
+            </a:pPr>
             <a:r>
               <a:t>Only in the city of Milan there are approximately:</a:t>
             </a:r>
@@ -4136,8 +4974,8 @@
         </p:nvSpPr>
         <p:spPr>
           <a:xfrm>
-            <a:off x="1147317" y="4660333"/>
-            <a:ext cx="13849678" cy="8039101"/>
+            <a:off x="1147317" y="4687978"/>
+            <a:ext cx="13849679" cy="8039104"/>
           </a:xfrm>
           <a:prstGeom prst="rect">
             <a:avLst/>
@@ -4151,26 +4989,26 @@
               <a:buBlip>
                 <a:blip r:embed="rId4"/>
               </a:buBlip>
+              <a:defRPr b="1">
+                <a:latin typeface="+mn-lt"/>
+                <a:ea typeface="+mn-ea"/>
+                <a:cs typeface="+mn-cs"/>
+                <a:sym typeface="Helvetica Neue"/>
+              </a:defRPr>
             </a:pPr>
             <a:r>
-              <a:rPr b="1">
-                <a:latin typeface="Helvetica Neue"/>
-                <a:ea typeface="Helvetica Neue"/>
-                <a:cs typeface="Helvetica Neue"/>
-                <a:sym typeface="Helvetica Neue"/>
+              <a:t>6 </a:t>
+            </a:r>
+            <a:r>
+              <a:rPr b="0">
+                <a:latin typeface="Helvetica Neue Light"/>
+                <a:ea typeface="Helvetica Neue Light"/>
+                <a:cs typeface="Helvetica Neue Light"/>
+                <a:sym typeface="Helvetica Neue Light"/>
               </a:rPr>
-              <a:t>6 </a:t>
-            </a:r>
-            <a:r>
               <a:t>car sharing services involving only vehicles with </a:t>
             </a:r>
             <a:r>
-              <a:rPr b="1">
-                <a:latin typeface="Helvetica Neue"/>
-                <a:ea typeface="Helvetica Neue"/>
-                <a:cs typeface="Helvetica Neue"/>
-                <a:sym typeface="Helvetica Neue"/>
-              </a:rPr>
               <a:t>combustion engines</a:t>
             </a:r>
           </a:p>
@@ -4179,27 +5017,913 @@
               <a:buBlip>
                 <a:blip r:embed="rId4"/>
               </a:buBlip>
+              <a:defRPr b="1">
+                <a:latin typeface="+mn-lt"/>
+                <a:ea typeface="+mn-ea"/>
+                <a:cs typeface="+mn-cs"/>
+                <a:sym typeface="Helvetica Neue"/>
+              </a:defRPr>
             </a:pPr>
             <a:r>
-              <a:rPr b="1">
-                <a:latin typeface="Helvetica Neue"/>
-                <a:ea typeface="Helvetica Neue"/>
-                <a:cs typeface="Helvetica Neue"/>
-                <a:sym typeface="Helvetica Neue"/>
+              <a:t>3 </a:t>
+            </a:r>
+            <a:r>
+              <a:rPr b="0">
+                <a:latin typeface="Helvetica Neue Light"/>
+                <a:ea typeface="Helvetica Neue Light"/>
+                <a:cs typeface="Helvetica Neue Light"/>
+                <a:sym typeface="Helvetica Neue Light"/>
               </a:rPr>
-              <a:t>3 </a:t>
-            </a:r>
-            <a:r>
               <a:t>car sharing services involving only</a:t>
             </a:r>
             <a:r>
-              <a:rPr b="1">
-                <a:latin typeface="Helvetica Neue"/>
-                <a:ea typeface="Helvetica Neue"/>
-                <a:cs typeface="Helvetica Neue"/>
-                <a:sym typeface="Helvetica Neue"/>
-              </a:rPr>
               <a:t> electric vehicles</a:t>
+            </a:r>
+          </a:p>
+        </p:txBody>
+      </p:sp>
+    </p:spTree>
+  </p:cSld>
+  <p:clrMapOvr>
+    <a:masterClrMapping/>
+  </p:clrMapOvr>
+  <p:transition xmlns:p14="http://schemas.microsoft.com/office/powerpoint/2010/main" spd="med" advClick="1"/>
+</p:sld>
+</file>
+
+<file path=ppt/slides/slide6.xml><?xml version="1.0" encoding="utf-8"?>
+<p:sld xmlns:a="http://schemas.openxmlformats.org/drawingml/2006/main" xmlns:r="http://schemas.openxmlformats.org/officeDocument/2006/relationships" xmlns:p="http://schemas.openxmlformats.org/presentationml/2006/main" showMasterSp="1" showMasterPhAnim="1">
+  <p:cSld>
+    <p:spTree>
+      <p:nvGrpSpPr>
+        <p:cNvPr id="1" name=""/>
+        <p:cNvGrpSpPr/>
+        <p:nvPr/>
+      </p:nvGrpSpPr>
+      <p:grpSpPr>
+        <a:xfrm>
+          <a:off x="0" y="0"/>
+          <a:ext cx="0" cy="0"/>
+          <a:chOff x="0" y="0"/>
+          <a:chExt cx="0" cy="0"/>
+        </a:xfrm>
+      </p:grpSpPr>
+      <p:pic>
+        <p:nvPicPr>
+          <p:cNvPr id="140" name="image3.jpeg"/>
+          <p:cNvPicPr>
+            <a:picLocks noChangeAspect="1"/>
+          </p:cNvPicPr>
+          <p:nvPr>
+            <p:ph type="pic" idx="13"/>
+          </p:nvPr>
+        </p:nvPicPr>
+        <p:blipFill>
+          <a:blip r:embed="rId2">
+            <a:extLst/>
+          </a:blip>
+          <a:srcRect l="11175" t="11342" r="0" b="0"/>
+          <a:stretch>
+            <a:fillRect/>
+          </a:stretch>
+        </p:blipFill>
+        <p:spPr>
+          <a:xfrm>
+            <a:off x="12601557" y="1519723"/>
+            <a:ext cx="10188383" cy="4826702"/>
+          </a:xfrm>
+          <a:prstGeom prst="rect">
+            <a:avLst/>
+          </a:prstGeom>
+          <a:ln>
+            <a:solidFill>
+              <a:srgbClr val="DDDDDD"/>
+            </a:solidFill>
+          </a:ln>
+        </p:spPr>
+      </p:pic>
+      <p:sp>
+        <p:nvSpPr>
+          <p:cNvPr id="141" name="Shape 141"/>
+          <p:cNvSpPr/>
+          <p:nvPr>
+            <p:ph type="title"/>
+          </p:nvPr>
+        </p:nvSpPr>
+        <p:spPr>
+          <a:xfrm>
+            <a:off x="1270000" y="355599"/>
+            <a:ext cx="9639300" cy="1922692"/>
+          </a:xfrm>
+          <a:prstGeom prst="rect">
+            <a:avLst/>
+          </a:prstGeom>
+        </p:spPr>
+        <p:txBody>
+          <a:bodyPr/>
+          <a:lstStyle/>
+          <a:p>
+            <a:pPr/>
+            <a:r>
+              <a:t>Architecture</a:t>
+            </a:r>
+          </a:p>
+        </p:txBody>
+      </p:sp>
+      <p:sp>
+        <p:nvSpPr>
+          <p:cNvPr id="142" name="Shape 142"/>
+          <p:cNvSpPr/>
+          <p:nvPr>
+            <p:ph type="body" sz="quarter" idx="1"/>
+          </p:nvPr>
+        </p:nvSpPr>
+        <p:spPr>
+          <a:xfrm>
+            <a:off x="1269999" y="2129020"/>
+            <a:ext cx="9639301" cy="5092703"/>
+          </a:xfrm>
+          <a:prstGeom prst="rect">
+            <a:avLst/>
+          </a:prstGeom>
+        </p:spPr>
+        <p:txBody>
+          <a:bodyPr/>
+          <a:lstStyle/>
+          <a:p>
+            <a:pPr/>
+            <a:r>
+              <a:t>High level overview</a:t>
+            </a:r>
+          </a:p>
+        </p:txBody>
+      </p:sp>
+      <p:sp>
+        <p:nvSpPr>
+          <p:cNvPr id="143" name="Shape 143"/>
+          <p:cNvSpPr/>
+          <p:nvPr/>
+        </p:nvSpPr>
+        <p:spPr>
+          <a:xfrm>
+            <a:off x="885582" y="3432831"/>
+            <a:ext cx="10408136" cy="8928644"/>
+          </a:xfrm>
+          <a:prstGeom prst="rect">
+            <a:avLst/>
+          </a:prstGeom>
+          <a:ln w="12700">
+            <a:miter lim="400000"/>
+          </a:ln>
+          <a:extLst>
+            <a:ext uri="{C572A759-6A51-4108-AA02-DFA0A04FC94B}">
+              <ma14:wrappingTextBoxFlag xmlns:ma14="http://schemas.microsoft.com/office/mac/drawingml/2011/main" val="1"/>
+            </a:ext>
+          </a:extLst>
+        </p:spPr>
+        <p:txBody>
+          <a:bodyPr lIns="50800" tIns="50800" rIns="50800" bIns="50800" anchor="ctr">
+            <a:normAutofit fontScale="100000" lnSpcReduction="0"/>
+          </a:bodyPr>
+          <a:lstStyle/>
+          <a:p>
+            <a:pPr marL="429512" indent="-429512" algn="l" defTabSz="558366">
+              <a:spcBef>
+                <a:spcPts val="3400"/>
+              </a:spcBef>
+              <a:buSzPct val="30000"/>
+              <a:buBlip>
+                <a:blip r:embed="rId3"/>
+              </a:buBlip>
+              <a:defRPr sz="3300">
+                <a:effectLst>
+                  <a:outerShdw sx="100000" sy="100000" kx="0" ky="0" algn="b" rotWithShape="0" blurRad="38100" dist="25770" dir="5400000">
+                    <a:srgbClr val="000000"/>
+                  </a:outerShdw>
+                </a:effectLst>
+                <a:latin typeface="Helvetica Neue Light"/>
+                <a:ea typeface="Helvetica Neue Light"/>
+                <a:cs typeface="Helvetica Neue Light"/>
+                <a:sym typeface="Helvetica Neue Light"/>
+              </a:defRPr>
+            </a:pPr>
+            <a:r>
+              <a:t>Mobile application: software component  installed on the user’s device which renders the user interface and handles interactions with the user</a:t>
+            </a:r>
+          </a:p>
+          <a:p>
+            <a:pPr marL="429512" indent="-429512" algn="l" defTabSz="558366">
+              <a:spcBef>
+                <a:spcPts val="3400"/>
+              </a:spcBef>
+              <a:buSzPct val="30000"/>
+              <a:buBlip>
+                <a:blip r:embed="rId3"/>
+              </a:buBlip>
+              <a:defRPr sz="3300">
+                <a:effectLst>
+                  <a:outerShdw sx="100000" sy="100000" kx="0" ky="0" algn="b" rotWithShape="0" blurRad="38100" dist="25770" dir="5400000">
+                    <a:srgbClr val="000000"/>
+                  </a:outerShdw>
+                </a:effectLst>
+                <a:latin typeface="Helvetica Neue Light"/>
+                <a:ea typeface="Helvetica Neue Light"/>
+                <a:cs typeface="Helvetica Neue Light"/>
+                <a:sym typeface="Helvetica Neue Light"/>
+              </a:defRPr>
+            </a:pPr>
+            <a:r>
+              <a:t>Administration application: web application meant to provide all those functionalities required for the administration of the system</a:t>
+            </a:r>
+          </a:p>
+          <a:p>
+            <a:pPr marL="429512" indent="-429512" algn="l" defTabSz="558366">
+              <a:spcBef>
+                <a:spcPts val="3400"/>
+              </a:spcBef>
+              <a:buSzPct val="30000"/>
+              <a:buBlip>
+                <a:blip r:embed="rId3"/>
+              </a:buBlip>
+              <a:defRPr sz="3300">
+                <a:effectLst>
+                  <a:outerShdw sx="100000" sy="100000" kx="0" ky="0" algn="b" rotWithShape="0" blurRad="38100" dist="25770" dir="5400000">
+                    <a:srgbClr val="000000"/>
+                  </a:outerShdw>
+                </a:effectLst>
+                <a:latin typeface="Helvetica Neue Light"/>
+                <a:ea typeface="Helvetica Neue Light"/>
+                <a:cs typeface="Helvetica Neue Light"/>
+                <a:sym typeface="Helvetica Neue Light"/>
+              </a:defRPr>
+            </a:pPr>
+            <a:r>
+              <a:t>Car on board system: set of software components installed on the car’s system (provided by the manufacturer which handles car’s relevant sensors and commands coming from the application server</a:t>
+            </a:r>
+          </a:p>
+          <a:p>
+            <a:pPr marL="429512" indent="-429512" algn="l" defTabSz="558366">
+              <a:spcBef>
+                <a:spcPts val="3400"/>
+              </a:spcBef>
+              <a:buSzPct val="30000"/>
+              <a:buBlip>
+                <a:blip r:embed="rId3"/>
+              </a:buBlip>
+              <a:defRPr sz="3300">
+                <a:effectLst>
+                  <a:outerShdw sx="100000" sy="100000" kx="0" ky="0" algn="b" rotWithShape="0" blurRad="38100" dist="25770" dir="5400000">
+                    <a:srgbClr val="000000"/>
+                  </a:outerShdw>
+                </a:effectLst>
+                <a:latin typeface="Helvetica Neue Light"/>
+                <a:ea typeface="Helvetica Neue Light"/>
+                <a:cs typeface="Helvetica Neue Light"/>
+                <a:sym typeface="Helvetica Neue Light"/>
+              </a:defRPr>
+            </a:pPr>
+            <a:r>
+              <a:t>Application server: set of software components that handle the business logic of the system</a:t>
+            </a:r>
+          </a:p>
+          <a:p>
+            <a:pPr marL="429512" indent="-429512" algn="l" defTabSz="558366">
+              <a:spcBef>
+                <a:spcPts val="3400"/>
+              </a:spcBef>
+              <a:buSzPct val="30000"/>
+              <a:buBlip>
+                <a:blip r:embed="rId3"/>
+              </a:buBlip>
+              <a:defRPr sz="3300">
+                <a:effectLst>
+                  <a:outerShdw sx="100000" sy="100000" kx="0" ky="0" algn="b" rotWithShape="0" blurRad="38100" dist="25770" dir="5400000">
+                    <a:srgbClr val="000000"/>
+                  </a:outerShdw>
+                </a:effectLst>
+                <a:latin typeface="Helvetica Neue Light"/>
+                <a:ea typeface="Helvetica Neue Light"/>
+                <a:cs typeface="Helvetica Neue Light"/>
+                <a:sym typeface="Helvetica Neue Light"/>
+              </a:defRPr>
+            </a:pPr>
+            <a:r>
+              <a:t>Database server: set of software components which allows to store permanent data.</a:t>
+            </a:r>
+          </a:p>
+        </p:txBody>
+      </p:sp>
+      <p:pic>
+        <p:nvPicPr>
+          <p:cNvPr id="144" name="image4.jpeg"/>
+          <p:cNvPicPr>
+            <a:picLocks noChangeAspect="1"/>
+          </p:cNvPicPr>
+          <p:nvPr/>
+        </p:nvPicPr>
+        <p:blipFill>
+          <a:blip r:embed="rId4">
+            <a:extLst/>
+          </a:blip>
+          <a:srcRect l="1330" t="0" r="1330" b="0"/>
+          <a:stretch>
+            <a:fillRect/>
+          </a:stretch>
+        </p:blipFill>
+        <p:spPr>
+          <a:xfrm>
+            <a:off x="12599374" y="7007680"/>
+            <a:ext cx="10192905" cy="5584801"/>
+          </a:xfrm>
+          <a:prstGeom prst="rect">
+            <a:avLst/>
+          </a:prstGeom>
+          <a:ln w="12700">
+            <a:miter lim="400000"/>
+          </a:ln>
+        </p:spPr>
+      </p:pic>
+    </p:spTree>
+  </p:cSld>
+  <p:clrMapOvr>
+    <a:masterClrMapping/>
+  </p:clrMapOvr>
+  <p:transition xmlns:p14="http://schemas.microsoft.com/office/powerpoint/2010/main" spd="med" advClick="1"/>
+</p:sld>
+</file>
+
+<file path=ppt/slides/slide7.xml><?xml version="1.0" encoding="utf-8"?>
+<p:sld xmlns:a="http://schemas.openxmlformats.org/drawingml/2006/main" xmlns:r="http://schemas.openxmlformats.org/officeDocument/2006/relationships" xmlns:p="http://schemas.openxmlformats.org/presentationml/2006/main" showMasterSp="1" showMasterPhAnim="1">
+  <p:cSld>
+    <p:spTree>
+      <p:nvGrpSpPr>
+        <p:cNvPr id="1" name=""/>
+        <p:cNvGrpSpPr/>
+        <p:nvPr/>
+      </p:nvGrpSpPr>
+      <p:grpSpPr>
+        <a:xfrm>
+          <a:off x="0" y="0"/>
+          <a:ext cx="0" cy="0"/>
+          <a:chOff x="0" y="0"/>
+          <a:chExt cx="0" cy="0"/>
+        </a:xfrm>
+      </p:grpSpPr>
+      <p:sp>
+        <p:nvSpPr>
+          <p:cNvPr id="146" name="Shape 146"/>
+          <p:cNvSpPr/>
+          <p:nvPr>
+            <p:ph type="title"/>
+          </p:nvPr>
+        </p:nvSpPr>
+        <p:spPr>
+          <a:xfrm>
+            <a:off x="1269999" y="355599"/>
+            <a:ext cx="12111699" cy="1922692"/>
+          </a:xfrm>
+          <a:prstGeom prst="rect">
+            <a:avLst/>
+          </a:prstGeom>
+        </p:spPr>
+        <p:txBody>
+          <a:bodyPr/>
+          <a:lstStyle/>
+          <a:p>
+            <a:pPr/>
+            <a:r>
+              <a:t>Application server</a:t>
+            </a:r>
+          </a:p>
+        </p:txBody>
+      </p:sp>
+      <p:sp>
+        <p:nvSpPr>
+          <p:cNvPr id="147" name="Shape 147"/>
+          <p:cNvSpPr/>
+          <p:nvPr>
+            <p:ph type="body" sz="quarter" idx="1"/>
+          </p:nvPr>
+        </p:nvSpPr>
+        <p:spPr>
+          <a:xfrm>
+            <a:off x="1270000" y="2129020"/>
+            <a:ext cx="9639300" cy="5092703"/>
+          </a:xfrm>
+          <a:prstGeom prst="rect">
+            <a:avLst/>
+          </a:prstGeom>
+        </p:spPr>
+        <p:txBody>
+          <a:bodyPr/>
+          <a:lstStyle/>
+          <a:p>
+            <a:pPr/>
+            <a:r>
+              <a:t>High level description</a:t>
+            </a:r>
+          </a:p>
+        </p:txBody>
+      </p:sp>
+      <p:pic>
+        <p:nvPicPr>
+          <p:cNvPr id="148" name="Application_Server_arch.jpg"/>
+          <p:cNvPicPr>
+            <a:picLocks noChangeAspect="1"/>
+          </p:cNvPicPr>
+          <p:nvPr/>
+        </p:nvPicPr>
+        <p:blipFill>
+          <a:blip r:embed="rId2">
+            <a:extLst/>
+          </a:blip>
+          <a:stretch>
+            <a:fillRect/>
+          </a:stretch>
+        </p:blipFill>
+        <p:spPr>
+          <a:xfrm>
+            <a:off x="698500" y="3231156"/>
+            <a:ext cx="22987000" cy="10033001"/>
+          </a:xfrm>
+          <a:prstGeom prst="rect">
+            <a:avLst/>
+          </a:prstGeom>
+          <a:ln w="12700">
+            <a:miter lim="400000"/>
+          </a:ln>
+        </p:spPr>
+      </p:pic>
+    </p:spTree>
+  </p:cSld>
+  <p:clrMapOvr>
+    <a:masterClrMapping/>
+  </p:clrMapOvr>
+  <p:transition xmlns:p14="http://schemas.microsoft.com/office/powerpoint/2010/main" spd="med" advClick="1"/>
+</p:sld>
+</file>
+
+<file path=ppt/slides/slide8.xml><?xml version="1.0" encoding="utf-8"?>
+<p:sld xmlns:a="http://schemas.openxmlformats.org/drawingml/2006/main" xmlns:r="http://schemas.openxmlformats.org/officeDocument/2006/relationships" xmlns:p="http://schemas.openxmlformats.org/presentationml/2006/main" showMasterSp="1" showMasterPhAnim="1">
+  <p:cSld>
+    <p:spTree>
+      <p:nvGrpSpPr>
+        <p:cNvPr id="1" name=""/>
+        <p:cNvGrpSpPr/>
+        <p:nvPr/>
+      </p:nvGrpSpPr>
+      <p:grpSpPr>
+        <a:xfrm>
+          <a:off x="0" y="0"/>
+          <a:ext cx="0" cy="0"/>
+          <a:chOff x="0" y="0"/>
+          <a:chExt cx="0" cy="0"/>
+        </a:xfrm>
+      </p:grpSpPr>
+      <p:sp>
+        <p:nvSpPr>
+          <p:cNvPr id="150" name="Shape 150"/>
+          <p:cNvSpPr/>
+          <p:nvPr>
+            <p:ph type="title"/>
+          </p:nvPr>
+        </p:nvSpPr>
+        <p:spPr>
+          <a:xfrm>
+            <a:off x="1269999" y="355599"/>
+            <a:ext cx="12111699" cy="1922692"/>
+          </a:xfrm>
+          <a:prstGeom prst="rect">
+            <a:avLst/>
+          </a:prstGeom>
+        </p:spPr>
+        <p:txBody>
+          <a:bodyPr/>
+          <a:lstStyle/>
+          <a:p>
+            <a:pPr/>
+            <a:r>
+              <a:t>Application server</a:t>
+            </a:r>
+          </a:p>
+        </p:txBody>
+      </p:sp>
+      <p:sp>
+        <p:nvSpPr>
+          <p:cNvPr id="151" name="Shape 151"/>
+          <p:cNvSpPr/>
+          <p:nvPr>
+            <p:ph type="body" sz="quarter" idx="1"/>
+          </p:nvPr>
+        </p:nvSpPr>
+        <p:spPr>
+          <a:xfrm>
+            <a:off x="1270000" y="2129020"/>
+            <a:ext cx="9639300" cy="5092703"/>
+          </a:xfrm>
+          <a:prstGeom prst="rect">
+            <a:avLst/>
+          </a:prstGeom>
+        </p:spPr>
+        <p:txBody>
+          <a:bodyPr/>
+          <a:lstStyle/>
+          <a:p>
+            <a:pPr/>
+            <a:r>
+              <a:t>High level description</a:t>
+            </a:r>
+          </a:p>
+        </p:txBody>
+      </p:sp>
+      <p:sp>
+        <p:nvSpPr>
+          <p:cNvPr id="152" name="Shape 152"/>
+          <p:cNvSpPr/>
+          <p:nvPr/>
+        </p:nvSpPr>
+        <p:spPr>
+          <a:xfrm>
+            <a:off x="2129697" y="3589319"/>
+            <a:ext cx="20124607" cy="8924960"/>
+          </a:xfrm>
+          <a:prstGeom prst="rect">
+            <a:avLst/>
+          </a:prstGeom>
+          <a:ln w="12700">
+            <a:miter lim="400000"/>
+          </a:ln>
+          <a:extLst>
+            <a:ext uri="{C572A759-6A51-4108-AA02-DFA0A04FC94B}">
+              <ma14:wrappingTextBoxFlag xmlns:ma14="http://schemas.microsoft.com/office/mac/drawingml/2011/main" val="1"/>
+            </a:ext>
+          </a:extLst>
+        </p:spPr>
+        <p:txBody>
+          <a:bodyPr lIns="50800" tIns="50800" rIns="50800" bIns="50800" anchor="ctr">
+            <a:normAutofit fontScale="100000" lnSpcReduction="0"/>
+          </a:bodyPr>
+          <a:lstStyle/>
+          <a:p>
+            <a:pPr marL="559498" indent="-559498" algn="l" defTabSz="727346">
+              <a:spcBef>
+                <a:spcPts val="4400"/>
+              </a:spcBef>
+              <a:buSzPct val="30000"/>
+              <a:buBlip>
+                <a:blip r:embed="rId2"/>
+              </a:buBlip>
+              <a:defRPr sz="4300">
+                <a:effectLst>
+                  <a:outerShdw sx="100000" sy="100000" kx="0" ky="0" algn="b" rotWithShape="0" blurRad="50800" dist="33569" dir="5400000">
+                    <a:srgbClr val="000000"/>
+                  </a:outerShdw>
+                </a:effectLst>
+                <a:latin typeface="Helvetica Neue Light"/>
+                <a:ea typeface="Helvetica Neue Light"/>
+                <a:cs typeface="Helvetica Neue Light"/>
+                <a:sym typeface="Helvetica Neue Light"/>
+              </a:defRPr>
+            </a:pPr>
+            <a:r>
+              <a:t>Exposes a RESTful API to the Mobile application to provide all the functionalities that a user might call directly or indirectly</a:t>
+            </a:r>
+          </a:p>
+          <a:p>
+            <a:pPr marL="559498" indent="-559498" algn="l" defTabSz="727346">
+              <a:spcBef>
+                <a:spcPts val="4400"/>
+              </a:spcBef>
+              <a:buSzPct val="30000"/>
+              <a:buBlip>
+                <a:blip r:embed="rId2"/>
+              </a:buBlip>
+              <a:defRPr sz="4300">
+                <a:effectLst>
+                  <a:outerShdw sx="100000" sy="100000" kx="0" ky="0" algn="b" rotWithShape="0" blurRad="50800" dist="33569" dir="5400000">
+                    <a:srgbClr val="000000"/>
+                  </a:outerShdw>
+                </a:effectLst>
+                <a:latin typeface="Helvetica Neue Light"/>
+                <a:ea typeface="Helvetica Neue Light"/>
+                <a:cs typeface="Helvetica Neue Light"/>
+                <a:sym typeface="Helvetica Neue Light"/>
+              </a:defRPr>
+            </a:pPr>
+            <a:r>
+              <a:t>Exposes a RESTful API to the Administration Web application to provide all the functionalities that the administration of the service needs.</a:t>
+            </a:r>
+          </a:p>
+          <a:p>
+            <a:pPr marL="559498" indent="-559498" algn="l" defTabSz="727346">
+              <a:spcBef>
+                <a:spcPts val="4400"/>
+              </a:spcBef>
+              <a:buSzPct val="30000"/>
+              <a:buBlip>
+                <a:blip r:embed="rId2"/>
+              </a:buBlip>
+              <a:defRPr sz="4300">
+                <a:effectLst>
+                  <a:outerShdw sx="100000" sy="100000" kx="0" ky="0" algn="b" rotWithShape="0" blurRad="50800" dist="33569" dir="5400000">
+                    <a:srgbClr val="000000"/>
+                  </a:outerShdw>
+                </a:effectLst>
+                <a:latin typeface="Helvetica Neue Light"/>
+                <a:ea typeface="Helvetica Neue Light"/>
+                <a:cs typeface="Helvetica Neue Light"/>
+                <a:sym typeface="Helvetica Neue Light"/>
+              </a:defRPr>
+            </a:pPr>
+            <a:r>
+              <a:t>Exposes a RESTful API to the Car on board system to allow it to notify events of interests from the the point of view of the business logic (i.e. car engine starts)</a:t>
+            </a:r>
+          </a:p>
+          <a:p>
+            <a:pPr marL="559498" indent="-559498" algn="l" defTabSz="727346">
+              <a:spcBef>
+                <a:spcPts val="4400"/>
+              </a:spcBef>
+              <a:buSzPct val="30000"/>
+              <a:buBlip>
+                <a:blip r:embed="rId2"/>
+              </a:buBlip>
+              <a:defRPr sz="4300">
+                <a:effectLst>
+                  <a:outerShdw sx="100000" sy="100000" kx="0" ky="0" algn="b" rotWithShape="0" blurRad="50800" dist="33569" dir="5400000">
+                    <a:srgbClr val="000000"/>
+                  </a:outerShdw>
+                </a:effectLst>
+                <a:latin typeface="Helvetica Neue Light"/>
+                <a:ea typeface="Helvetica Neue Light"/>
+                <a:cs typeface="Helvetica Neue Light"/>
+                <a:sym typeface="Helvetica Neue Light"/>
+              </a:defRPr>
+            </a:pPr>
+            <a:r>
+              <a:t>Forwards commands to the Cars by means of the software API provided by the Car on board system</a:t>
+            </a:r>
+          </a:p>
+          <a:p>
+            <a:pPr marL="559498" indent="-559498" algn="l" defTabSz="727346">
+              <a:spcBef>
+                <a:spcPts val="4400"/>
+              </a:spcBef>
+              <a:buSzPct val="30000"/>
+              <a:buBlip>
+                <a:blip r:embed="rId2"/>
+              </a:buBlip>
+              <a:defRPr sz="4300">
+                <a:effectLst>
+                  <a:outerShdw sx="100000" sy="100000" kx="0" ky="0" algn="b" rotWithShape="0" blurRad="50800" dist="33569" dir="5400000">
+                    <a:srgbClr val="000000"/>
+                  </a:outerShdw>
+                </a:effectLst>
+                <a:latin typeface="Helvetica Neue Light"/>
+                <a:ea typeface="Helvetica Neue Light"/>
+                <a:cs typeface="Helvetica Neue Light"/>
+                <a:sym typeface="Helvetica Neue Light"/>
+              </a:defRPr>
+            </a:pPr>
+            <a:r>
+              <a:t>Interacts directly with the Database server by means of the standard SQL interface (2011)</a:t>
+            </a:r>
+          </a:p>
+        </p:txBody>
+      </p:sp>
+    </p:spTree>
+  </p:cSld>
+  <p:clrMapOvr>
+    <a:masterClrMapping/>
+  </p:clrMapOvr>
+  <p:transition xmlns:p14="http://schemas.microsoft.com/office/powerpoint/2010/main" spd="med" advClick="1"/>
+</p:sld>
+</file>
+
+<file path=ppt/slides/slide9.xml><?xml version="1.0" encoding="utf-8"?>
+<p:sld xmlns:a="http://schemas.openxmlformats.org/drawingml/2006/main" xmlns:r="http://schemas.openxmlformats.org/officeDocument/2006/relationships" xmlns:p="http://schemas.openxmlformats.org/presentationml/2006/main" showMasterSp="1" showMasterPhAnim="1">
+  <p:cSld>
+    <p:spTree>
+      <p:nvGrpSpPr>
+        <p:cNvPr id="1" name=""/>
+        <p:cNvGrpSpPr/>
+        <p:nvPr/>
+      </p:nvGrpSpPr>
+      <p:grpSpPr>
+        <a:xfrm>
+          <a:off x="0" y="0"/>
+          <a:ext cx="0" cy="0"/>
+          <a:chOff x="0" y="0"/>
+          <a:chExt cx="0" cy="0"/>
+        </a:xfrm>
+      </p:grpSpPr>
+      <p:sp>
+        <p:nvSpPr>
+          <p:cNvPr id="154" name="Shape 154"/>
+          <p:cNvSpPr/>
+          <p:nvPr>
+            <p:ph type="title"/>
+          </p:nvPr>
+        </p:nvSpPr>
+        <p:spPr>
+          <a:xfrm>
+            <a:off x="1269999" y="355600"/>
+            <a:ext cx="12111699" cy="1922691"/>
+          </a:xfrm>
+          <a:prstGeom prst="rect">
+            <a:avLst/>
+          </a:prstGeom>
+        </p:spPr>
+        <p:txBody>
+          <a:bodyPr/>
+          <a:lstStyle/>
+          <a:p>
+            <a:pPr/>
+            <a:r>
+              <a:t>Application server</a:t>
+            </a:r>
+          </a:p>
+        </p:txBody>
+      </p:sp>
+      <p:sp>
+        <p:nvSpPr>
+          <p:cNvPr id="155" name="Shape 155"/>
+          <p:cNvSpPr/>
+          <p:nvPr>
+            <p:ph type="body" sz="half" idx="1"/>
+          </p:nvPr>
+        </p:nvSpPr>
+        <p:spPr>
+          <a:xfrm>
+            <a:off x="1270000" y="2129021"/>
+            <a:ext cx="16987590" cy="5092702"/>
+          </a:xfrm>
+          <a:prstGeom prst="rect">
+            <a:avLst/>
+          </a:prstGeom>
+        </p:spPr>
+        <p:txBody>
+          <a:bodyPr/>
+          <a:lstStyle/>
+          <a:p>
+            <a:pPr/>
+            <a:r>
+              <a:t>Components’ description</a:t>
+            </a:r>
+          </a:p>
+        </p:txBody>
+      </p:sp>
+      <p:sp>
+        <p:nvSpPr>
+          <p:cNvPr id="156" name="Shape 156"/>
+          <p:cNvSpPr/>
+          <p:nvPr/>
+        </p:nvSpPr>
+        <p:spPr>
+          <a:xfrm>
+            <a:off x="723086" y="4030104"/>
+            <a:ext cx="22937829" cy="8264560"/>
+          </a:xfrm>
+          <a:prstGeom prst="rect">
+            <a:avLst/>
+          </a:prstGeom>
+          <a:ln w="12700">
+            <a:miter lim="400000"/>
+          </a:ln>
+          <a:extLst>
+            <a:ext uri="{C572A759-6A51-4108-AA02-DFA0A04FC94B}">
+              <ma14:wrappingTextBoxFlag xmlns:ma14="http://schemas.microsoft.com/office/mac/drawingml/2011/main" val="1"/>
+            </a:ext>
+          </a:extLst>
+        </p:spPr>
+        <p:txBody>
+          <a:bodyPr lIns="50800" tIns="50800" rIns="50800" bIns="50800" anchor="ctr">
+            <a:normAutofit fontScale="100000" lnSpcReduction="0"/>
+          </a:bodyPr>
+          <a:lstStyle/>
+          <a:p>
+            <a:pPr marL="559498" indent="-559498" algn="l" defTabSz="727346">
+              <a:spcBef>
+                <a:spcPts val="4400"/>
+              </a:spcBef>
+              <a:buSzPct val="30000"/>
+              <a:buBlip>
+                <a:blip r:embed="rId2"/>
+              </a:buBlip>
+              <a:defRPr sz="4300">
+                <a:effectLst>
+                  <a:outerShdw sx="100000" sy="100000" kx="0" ky="0" algn="b" rotWithShape="0" blurRad="50800" dist="33569" dir="5400000">
+                    <a:srgbClr val="000000"/>
+                  </a:outerShdw>
+                </a:effectLst>
+                <a:latin typeface="Helvetica Neue Light"/>
+                <a:ea typeface="Helvetica Neue Light"/>
+                <a:cs typeface="Helvetica Neue Light"/>
+                <a:sym typeface="Helvetica Neue Light"/>
+              </a:defRPr>
+            </a:pPr>
+            <a:r>
+              <a:t>Business Manager: software component which handles the entire business logic of the system</a:t>
+            </a:r>
+          </a:p>
+          <a:p>
+            <a:pPr marL="559498" indent="-559498" algn="l" defTabSz="727346">
+              <a:spcBef>
+                <a:spcPts val="4400"/>
+              </a:spcBef>
+              <a:buSzPct val="30000"/>
+              <a:buBlip>
+                <a:blip r:embed="rId2"/>
+              </a:buBlip>
+              <a:defRPr sz="4300">
+                <a:effectLst>
+                  <a:outerShdw sx="100000" sy="100000" kx="0" ky="0" algn="b" rotWithShape="0" blurRad="50800" dist="33569" dir="5400000">
+                    <a:srgbClr val="000000"/>
+                  </a:outerShdw>
+                </a:effectLst>
+                <a:latin typeface="Helvetica Neue Light"/>
+                <a:ea typeface="Helvetica Neue Light"/>
+                <a:cs typeface="Helvetica Neue Light"/>
+                <a:sym typeface="Helvetica Neue Light"/>
+              </a:defRPr>
+            </a:pPr>
+            <a:r>
+              <a:t>User Controller: handles the bidirectional communication between the mobile applications and the application server.</a:t>
+            </a:r>
+          </a:p>
+          <a:p>
+            <a:pPr marL="559498" indent="-559498" algn="l" defTabSz="727346">
+              <a:spcBef>
+                <a:spcPts val="4400"/>
+              </a:spcBef>
+              <a:buSzPct val="30000"/>
+              <a:buBlip>
+                <a:blip r:embed="rId2"/>
+              </a:buBlip>
+              <a:defRPr sz="4300">
+                <a:effectLst>
+                  <a:outerShdw sx="100000" sy="100000" kx="0" ky="0" algn="b" rotWithShape="0" blurRad="50800" dist="33569" dir="5400000">
+                    <a:srgbClr val="000000"/>
+                  </a:outerShdw>
+                </a:effectLst>
+                <a:latin typeface="Helvetica Neue Light"/>
+                <a:ea typeface="Helvetica Neue Light"/>
+                <a:cs typeface="Helvetica Neue Light"/>
+                <a:sym typeface="Helvetica Neue Light"/>
+              </a:defRPr>
+            </a:pPr>
+            <a:r>
+              <a:t>Payment Manager: software component which handles all the interactions between the business logic and with third-part payment services (by now, PayPal is the only one supported)</a:t>
+            </a:r>
+          </a:p>
+          <a:p>
+            <a:pPr marL="559498" indent="-559498" algn="l" defTabSz="727346">
+              <a:spcBef>
+                <a:spcPts val="4400"/>
+              </a:spcBef>
+              <a:buSzPct val="30000"/>
+              <a:buBlip>
+                <a:blip r:embed="rId2"/>
+              </a:buBlip>
+              <a:defRPr sz="4300">
+                <a:effectLst>
+                  <a:outerShdw sx="100000" sy="100000" kx="0" ky="0" algn="b" rotWithShape="0" blurRad="50800" dist="33569" dir="5400000">
+                    <a:srgbClr val="000000"/>
+                  </a:outerShdw>
+                </a:effectLst>
+                <a:latin typeface="Helvetica Neue Light"/>
+                <a:ea typeface="Helvetica Neue Light"/>
+                <a:cs typeface="Helvetica Neue Light"/>
+                <a:sym typeface="Helvetica Neue Light"/>
+              </a:defRPr>
+            </a:pPr>
+            <a:r>
+              <a:t>AdministrationHelper: software components which handles all the requests coming from the administration’s web application (AdministrationServices API)</a:t>
+            </a:r>
+          </a:p>
+          <a:p>
+            <a:pPr marL="559498" indent="-559498" algn="l" defTabSz="727346">
+              <a:spcBef>
+                <a:spcPts val="4400"/>
+              </a:spcBef>
+              <a:buSzPct val="30000"/>
+              <a:buBlip>
+                <a:blip r:embed="rId2"/>
+              </a:buBlip>
+              <a:defRPr sz="4300">
+                <a:effectLst>
+                  <a:outerShdw sx="100000" sy="100000" kx="0" ky="0" algn="b" rotWithShape="0" blurRad="50800" dist="33569" dir="5400000">
+                    <a:srgbClr val="000000"/>
+                  </a:outerShdw>
+                </a:effectLst>
+                <a:latin typeface="Helvetica Neue Light"/>
+                <a:ea typeface="Helvetica Neue Light"/>
+                <a:cs typeface="Helvetica Neue Light"/>
+                <a:sym typeface="Helvetica Neue Light"/>
+              </a:defRPr>
+            </a:pPr>
+            <a:r>
+              <a:t>CarController: handles the bidirectional communication between the on board car system and the application server.</a:t>
             </a:r>
           </a:p>
         </p:txBody>
@@ -4218,16 +5942,16 @@
   <a:themeElements>
     <a:clrScheme name="Industrial">
       <a:dk1>
-        <a:srgbClr val="BC00FF"/>
+        <a:srgbClr val="000000"/>
       </a:dk1>
       <a:lt1>
         <a:srgbClr val="FFFFFF"/>
       </a:lt1>
       <a:dk2>
-        <a:srgbClr val="53585F"/>
+        <a:srgbClr val="A7A7A7"/>
       </a:dk2>
       <a:lt2>
-        <a:srgbClr val="DCDEE0"/>
+        <a:srgbClr val="535353"/>
       </a:lt2>
       <a:accent1>
         <a:srgbClr val="0073CF"/>
@@ -4256,14 +5980,14 @@
     </a:clrScheme>
     <a:fontScheme name="Industrial">
       <a:majorFont>
-        <a:latin typeface="Helvetica Neue Light"/>
-        <a:ea typeface="Helvetica Neue Light"/>
-        <a:cs typeface="Helvetica Neue Light"/>
+        <a:latin typeface="Helvetica"/>
+        <a:ea typeface="Helvetica"/>
+        <a:cs typeface="Helvetica"/>
       </a:majorFont>
       <a:minorFont>
-        <a:latin typeface="Helvetica Neue Light"/>
-        <a:ea typeface="Helvetica Neue Light"/>
-        <a:cs typeface="Helvetica Neue Light"/>
+        <a:latin typeface="Helvetica Neue"/>
+        <a:ea typeface="Helvetica Neue"/>
+        <a:cs typeface="Helvetica Neue"/>
       </a:minorFont>
     </a:fontScheme>
     <a:fmtScheme name="Industrial">
@@ -4403,14 +6127,15 @@
   <a:objectDefaults>
     <a:spDef>
       <a:spPr>
-        <a:blipFill rotWithShape="1">
-          <a:blip r:embed="rId1"/>
-          <a:srcRect l="0" t="0" r="0" b="0"/>
-          <a:tile tx="0" ty="0" sx="100000" sy="100000" flip="none" algn="tl"/>
-        </a:blipFill>
-        <a:ln w="12700" cap="flat">
-          <a:noFill/>
-          <a:miter lim="400000"/>
+        <a:solidFill>
+          <a:srgbClr val="BC00FF"/>
+        </a:solidFill>
+        <a:ln w="25400" cap="flat">
+          <a:solidFill>
+            <a:schemeClr val="accent1"/>
+          </a:solidFill>
+          <a:prstDash val="solid"/>
+          <a:round/>
         </a:ln>
         <a:effectLst/>
         <a:sp3d/>
@@ -4434,7 +6159,7 @@
           <a:buFontTx/>
           <a:buNone/>
           <a:tabLst/>
-          <a:defRPr b="0" baseline="0" cap="none" i="0" spc="0" strike="noStrike" sz="5000" u="none" kumimoji="0" normalizeH="0">
+          <a:defRPr b="0" baseline="0" cap="none" i="0" spc="0" strike="noStrike" sz="5800" u="none" kumimoji="0" normalizeH="0">
             <a:ln>
               <a:noFill/>
             </a:ln>
@@ -4447,10 +6172,10 @@
               </a:outerShdw>
             </a:effectLst>
             <a:uFillTx/>
-            <a:latin typeface="+mn-lt"/>
-            <a:ea typeface="+mn-ea"/>
-            <a:cs typeface="+mn-cs"/>
-            <a:sym typeface="Helvetica Neue Light"/>
+            <a:latin typeface="+mj-lt"/>
+            <a:ea typeface="+mj-ea"/>
+            <a:cs typeface="+mj-cs"/>
+            <a:sym typeface="Helvetica"/>
           </a:defRPr>
         </a:defPPr>
         <a:lvl1pPr marL="0" marR="0" indent="0" algn="l" defTabSz="914400" rtl="0" fontAlgn="auto" latinLnBrk="1" hangingPunct="0">
@@ -4698,12 +6423,12 @@
     <a:lnDef>
       <a:spPr>
         <a:noFill/>
-        <a:ln w="12700" cap="flat">
+        <a:ln w="25400" cap="flat">
           <a:solidFill>
-            <a:srgbClr val="FFFFFF"/>
+            <a:schemeClr val="accent1"/>
           </a:solidFill>
           <a:prstDash val="solid"/>
-          <a:miter lim="400000"/>
+          <a:round/>
         </a:ln>
         <a:effectLst/>
         <a:sp3d/>
@@ -5022,10 +6747,10 @@
               </a:outerShdw>
             </a:effectLst>
             <a:uFillTx/>
-            <a:latin typeface="+mn-lt"/>
-            <a:ea typeface="+mn-ea"/>
-            <a:cs typeface="+mn-cs"/>
-            <a:sym typeface="Helvetica Neue Light"/>
+            <a:latin typeface="+mj-lt"/>
+            <a:ea typeface="+mj-ea"/>
+            <a:cs typeface="+mj-cs"/>
+            <a:sym typeface="Helvetica"/>
           </a:defRPr>
         </a:defPPr>
         <a:lvl1pPr marL="0" marR="0" indent="0" algn="l" defTabSz="914400" rtl="0" fontAlgn="auto" latinLnBrk="1" hangingPunct="0">
@@ -5285,10 +7010,10 @@
         <a:srgbClr val="FFFFFF"/>
       </a:lt1>
       <a:dk2>
-        <a:srgbClr val="53585F"/>
+        <a:srgbClr val="A7A7A7"/>
       </a:dk2>
       <a:lt2>
-        <a:srgbClr val="DCDEE0"/>
+        <a:srgbClr val="535353"/>
       </a:lt2>
       <a:accent1>
         <a:srgbClr val="0073CF"/>
@@ -5317,14 +7042,14 @@
     </a:clrScheme>
     <a:fontScheme name="Industrial">
       <a:majorFont>
-        <a:latin typeface="Helvetica Neue Light"/>
-        <a:ea typeface="Helvetica Neue Light"/>
-        <a:cs typeface="Helvetica Neue Light"/>
+        <a:latin typeface="Helvetica"/>
+        <a:ea typeface="Helvetica"/>
+        <a:cs typeface="Helvetica"/>
       </a:majorFont>
       <a:minorFont>
-        <a:latin typeface="Helvetica Neue Light"/>
-        <a:ea typeface="Helvetica Neue Light"/>
-        <a:cs typeface="Helvetica Neue Light"/>
+        <a:latin typeface="Helvetica Neue"/>
+        <a:ea typeface="Helvetica Neue"/>
+        <a:cs typeface="Helvetica Neue"/>
       </a:minorFont>
     </a:fontScheme>
     <a:fmtScheme name="Industrial">
@@ -5464,14 +7189,15 @@
   <a:objectDefaults>
     <a:spDef>
       <a:spPr>
-        <a:blipFill rotWithShape="1">
-          <a:blip r:embed="rId1"/>
-          <a:srcRect l="0" t="0" r="0" b="0"/>
-          <a:tile tx="0" ty="0" sx="100000" sy="100000" flip="none" algn="tl"/>
-        </a:blipFill>
-        <a:ln w="12700" cap="flat">
-          <a:noFill/>
-          <a:miter lim="400000"/>
+        <a:solidFill>
+          <a:srgbClr val="BC00FF"/>
+        </a:solidFill>
+        <a:ln w="25400" cap="flat">
+          <a:solidFill>
+            <a:schemeClr val="accent1"/>
+          </a:solidFill>
+          <a:prstDash val="solid"/>
+          <a:round/>
         </a:ln>
         <a:effectLst/>
         <a:sp3d/>
@@ -5495,7 +7221,7 @@
           <a:buFontTx/>
           <a:buNone/>
           <a:tabLst/>
-          <a:defRPr b="0" baseline="0" cap="none" i="0" spc="0" strike="noStrike" sz="5000" u="none" kumimoji="0" normalizeH="0">
+          <a:defRPr b="0" baseline="0" cap="none" i="0" spc="0" strike="noStrike" sz="5800" u="none" kumimoji="0" normalizeH="0">
             <a:ln>
               <a:noFill/>
             </a:ln>
@@ -5508,10 +7234,10 @@
               </a:outerShdw>
             </a:effectLst>
             <a:uFillTx/>
-            <a:latin typeface="+mn-lt"/>
-            <a:ea typeface="+mn-ea"/>
-            <a:cs typeface="+mn-cs"/>
-            <a:sym typeface="Helvetica Neue Light"/>
+            <a:latin typeface="+mj-lt"/>
+            <a:ea typeface="+mj-ea"/>
+            <a:cs typeface="+mj-cs"/>
+            <a:sym typeface="Helvetica"/>
           </a:defRPr>
         </a:defPPr>
         <a:lvl1pPr marL="0" marR="0" indent="0" algn="l" defTabSz="914400" rtl="0" fontAlgn="auto" latinLnBrk="1" hangingPunct="0">
@@ -5759,12 +7485,12 @@
     <a:lnDef>
       <a:spPr>
         <a:noFill/>
-        <a:ln w="12700" cap="flat">
+        <a:ln w="25400" cap="flat">
           <a:solidFill>
-            <a:srgbClr val="FFFFFF"/>
+            <a:schemeClr val="accent1"/>
           </a:solidFill>
           <a:prstDash val="solid"/>
-          <a:miter lim="400000"/>
+          <a:round/>
         </a:ln>
         <a:effectLst/>
         <a:sp3d/>
@@ -6083,10 +7809,10 @@
               </a:outerShdw>
             </a:effectLst>
             <a:uFillTx/>
-            <a:latin typeface="+mn-lt"/>
-            <a:ea typeface="+mn-ea"/>
-            <a:cs typeface="+mn-cs"/>
-            <a:sym typeface="Helvetica Neue Light"/>
+            <a:latin typeface="+mj-lt"/>
+            <a:ea typeface="+mj-ea"/>
+            <a:cs typeface="+mj-cs"/>
+            <a:sym typeface="Helvetica"/>
           </a:defRPr>
         </a:defPPr>
         <a:lvl1pPr marL="0" marR="0" indent="0" algn="l" defTabSz="914400" rtl="0" fontAlgn="auto" latinLnBrk="1" hangingPunct="0">
